--- a/img/img.pptx
+++ b/img/img.pptx
@@ -23,6 +23,12 @@
     <p:sldId id="273" r:id="rId17"/>
     <p:sldId id="276" r:id="rId18"/>
     <p:sldId id="275" r:id="rId19"/>
+    <p:sldId id="277" r:id="rId20"/>
+    <p:sldId id="278" r:id="rId21"/>
+    <p:sldId id="279" r:id="rId22"/>
+    <p:sldId id="280" r:id="rId23"/>
+    <p:sldId id="282" r:id="rId24"/>
+    <p:sldId id="281" r:id="rId25"/>
   </p:sldIdLst>
   <p:sldSz cx="12192000" cy="6858000"/>
   <p:notesSz cx="6858000" cy="9144000"/>
@@ -260,7 +266,7 @@
           <a:p>
             <a:fld id="{F8F2BF65-DE51-485F-888D-B75E45506F32}" type="datetimeFigureOut">
               <a:rPr lang="zh-TW" altLang="en-US" smtClean="0"/>
-              <a:t>2021/8/18</a:t>
+              <a:t>2021/8/20</a:t>
             </a:fld>
             <a:endParaRPr lang="zh-TW" altLang="en-US"/>
           </a:p>
@@ -430,7 +436,7 @@
           <a:p>
             <a:fld id="{F8F2BF65-DE51-485F-888D-B75E45506F32}" type="datetimeFigureOut">
               <a:rPr lang="zh-TW" altLang="en-US" smtClean="0"/>
-              <a:t>2021/8/18</a:t>
+              <a:t>2021/8/20</a:t>
             </a:fld>
             <a:endParaRPr lang="zh-TW" altLang="en-US"/>
           </a:p>
@@ -610,7 +616,7 @@
           <a:p>
             <a:fld id="{F8F2BF65-DE51-485F-888D-B75E45506F32}" type="datetimeFigureOut">
               <a:rPr lang="zh-TW" altLang="en-US" smtClean="0"/>
-              <a:t>2021/8/18</a:t>
+              <a:t>2021/8/20</a:t>
             </a:fld>
             <a:endParaRPr lang="zh-TW" altLang="en-US"/>
           </a:p>
@@ -780,7 +786,7 @@
           <a:p>
             <a:fld id="{F8F2BF65-DE51-485F-888D-B75E45506F32}" type="datetimeFigureOut">
               <a:rPr lang="zh-TW" altLang="en-US" smtClean="0"/>
-              <a:t>2021/8/18</a:t>
+              <a:t>2021/8/20</a:t>
             </a:fld>
             <a:endParaRPr lang="zh-TW" altLang="en-US"/>
           </a:p>
@@ -1026,7 +1032,7 @@
           <a:p>
             <a:fld id="{F8F2BF65-DE51-485F-888D-B75E45506F32}" type="datetimeFigureOut">
               <a:rPr lang="zh-TW" altLang="en-US" smtClean="0"/>
-              <a:t>2021/8/18</a:t>
+              <a:t>2021/8/20</a:t>
             </a:fld>
             <a:endParaRPr lang="zh-TW" altLang="en-US"/>
           </a:p>
@@ -1258,7 +1264,7 @@
           <a:p>
             <a:fld id="{F8F2BF65-DE51-485F-888D-B75E45506F32}" type="datetimeFigureOut">
               <a:rPr lang="zh-TW" altLang="en-US" smtClean="0"/>
-              <a:t>2021/8/18</a:t>
+              <a:t>2021/8/20</a:t>
             </a:fld>
             <a:endParaRPr lang="zh-TW" altLang="en-US"/>
           </a:p>
@@ -1625,7 +1631,7 @@
           <a:p>
             <a:fld id="{F8F2BF65-DE51-485F-888D-B75E45506F32}" type="datetimeFigureOut">
               <a:rPr lang="zh-TW" altLang="en-US" smtClean="0"/>
-              <a:t>2021/8/18</a:t>
+              <a:t>2021/8/20</a:t>
             </a:fld>
             <a:endParaRPr lang="zh-TW" altLang="en-US"/>
           </a:p>
@@ -1743,7 +1749,7 @@
           <a:p>
             <a:fld id="{F8F2BF65-DE51-485F-888D-B75E45506F32}" type="datetimeFigureOut">
               <a:rPr lang="zh-TW" altLang="en-US" smtClean="0"/>
-              <a:t>2021/8/18</a:t>
+              <a:t>2021/8/20</a:t>
             </a:fld>
             <a:endParaRPr lang="zh-TW" altLang="en-US"/>
           </a:p>
@@ -1838,7 +1844,7 @@
           <a:p>
             <a:fld id="{F8F2BF65-DE51-485F-888D-B75E45506F32}" type="datetimeFigureOut">
               <a:rPr lang="zh-TW" altLang="en-US" smtClean="0"/>
-              <a:t>2021/8/18</a:t>
+              <a:t>2021/8/20</a:t>
             </a:fld>
             <a:endParaRPr lang="zh-TW" altLang="en-US"/>
           </a:p>
@@ -2115,7 +2121,7 @@
           <a:p>
             <a:fld id="{F8F2BF65-DE51-485F-888D-B75E45506F32}" type="datetimeFigureOut">
               <a:rPr lang="zh-TW" altLang="en-US" smtClean="0"/>
-              <a:t>2021/8/18</a:t>
+              <a:t>2021/8/20</a:t>
             </a:fld>
             <a:endParaRPr lang="zh-TW" altLang="en-US"/>
           </a:p>
@@ -2368,7 +2374,7 @@
           <a:p>
             <a:fld id="{F8F2BF65-DE51-485F-888D-B75E45506F32}" type="datetimeFigureOut">
               <a:rPr lang="zh-TW" altLang="en-US" smtClean="0"/>
-              <a:t>2021/8/18</a:t>
+              <a:t>2021/8/20</a:t>
             </a:fld>
             <a:endParaRPr lang="zh-TW" altLang="en-US"/>
           </a:p>
@@ -2581,7 +2587,7 @@
           <a:p>
             <a:fld id="{F8F2BF65-DE51-485F-888D-B75E45506F32}" type="datetimeFigureOut">
               <a:rPr lang="zh-TW" altLang="en-US" smtClean="0"/>
-              <a:t>2021/8/18</a:t>
+              <a:t>2021/8/20</a:t>
             </a:fld>
             <a:endParaRPr lang="zh-TW" altLang="en-US"/>
           </a:p>
@@ -19850,16 +19856,7 @@
                   </a:solidFill>
                   <a:latin typeface="Source Code Pro" panose="020B0509030403020204" pitchFamily="49" charset="0"/>
                 </a:rPr>
-                <a:t>Out</a:t>
-              </a:r>
-              <a:r>
-                <a:rPr lang="en-US" altLang="zh-TW" sz="2000" dirty="0" smtClean="0">
-                  <a:solidFill>
-                    <a:schemeClr val="bg1"/>
-                  </a:solidFill>
-                  <a:latin typeface="Source Code Pro" panose="020B0509030403020204" pitchFamily="49" charset="0"/>
-                </a:rPr>
-                <a:t> channel=2</a:t>
+                <a:t>Out channel=2</a:t>
               </a:r>
               <a:endParaRPr lang="zh-TW" altLang="en-US" sz="2000" dirty="0">
                 <a:solidFill>
@@ -27263,16 +27260,7 @@
                   </a:solidFill>
                   <a:latin typeface="Source Code Pro" panose="020B0509030403020204" pitchFamily="49" charset="0"/>
                 </a:rPr>
-                <a:t>s</a:t>
-              </a:r>
-              <a:r>
-                <a:rPr lang="en-US" altLang="zh-TW" sz="2000" dirty="0" smtClean="0">
-                  <a:solidFill>
-                    <a:schemeClr val="bg1"/>
-                  </a:solidFill>
-                  <a:latin typeface="Source Code Pro" panose="020B0509030403020204" pitchFamily="49" charset="0"/>
-                </a:rPr>
-                <a:t>tride=2</a:t>
+                <a:t>stride=2</a:t>
               </a:r>
               <a:endParaRPr lang="zh-TW" altLang="en-US" sz="2000" dirty="0">
                 <a:solidFill>
@@ -34342,6 +34330,712 @@
 </p:sld>
 </file>
 
+<file path=ppt/slides/slide19.xml><?xml version="1.0" encoding="utf-8"?>
+<p:sld xmlns:a="http://schemas.openxmlformats.org/drawingml/2006/main" xmlns:r="http://schemas.openxmlformats.org/officeDocument/2006/relationships" xmlns:p="http://schemas.openxmlformats.org/presentationml/2006/main">
+  <p:cSld>
+    <p:bg>
+      <p:bgPr>
+        <a:solidFill>
+          <a:srgbClr val="282828"/>
+        </a:solidFill>
+        <a:effectLst/>
+      </p:bgPr>
+    </p:bg>
+    <p:spTree>
+      <p:nvGrpSpPr>
+        <p:cNvPr id="1" name=""/>
+        <p:cNvGrpSpPr/>
+        <p:nvPr/>
+      </p:nvGrpSpPr>
+      <p:grpSpPr>
+        <a:xfrm>
+          <a:off x="0" y="0"/>
+          <a:ext cx="0" cy="0"/>
+          <a:chOff x="0" y="0"/>
+          <a:chExt cx="0" cy="0"/>
+        </a:xfrm>
+      </p:grpSpPr>
+      <p:grpSp>
+        <p:nvGrpSpPr>
+          <p:cNvPr id="32" name="群組 31"/>
+          <p:cNvGrpSpPr/>
+          <p:nvPr/>
+        </p:nvGrpSpPr>
+        <p:grpSpPr>
+          <a:xfrm>
+            <a:off x="2634397" y="1253138"/>
+            <a:ext cx="6319103" cy="3096377"/>
+            <a:chOff x="2634397" y="1253138"/>
+            <a:chExt cx="6319103" cy="3096377"/>
+          </a:xfrm>
+        </p:grpSpPr>
+        <p:grpSp>
+          <p:nvGrpSpPr>
+            <p:cNvPr id="7" name="群組 6"/>
+            <p:cNvGrpSpPr/>
+            <p:nvPr/>
+          </p:nvGrpSpPr>
+          <p:grpSpPr>
+            <a:xfrm>
+              <a:off x="3708505" y="1253138"/>
+              <a:ext cx="1272335" cy="1495313"/>
+              <a:chOff x="2632366" y="1950284"/>
+              <a:chExt cx="1272335" cy="1495313"/>
+            </a:xfrm>
+          </p:grpSpPr>
+          <p:sp>
+            <p:nvSpPr>
+              <p:cNvPr id="3" name="梯形 2"/>
+              <p:cNvSpPr/>
+              <p:nvPr/>
+            </p:nvSpPr>
+            <p:spPr>
+              <a:xfrm rot="16200000">
+                <a:off x="2520877" y="2061773"/>
+                <a:ext cx="1495313" cy="1272335"/>
+              </a:xfrm>
+              <a:prstGeom prst="trapezoid">
+                <a:avLst/>
+              </a:prstGeom>
+              <a:solidFill>
+                <a:srgbClr val="EC4488"/>
+              </a:solidFill>
+              <a:ln>
+                <a:noFill/>
+              </a:ln>
+            </p:spPr>
+            <p:style>
+              <a:lnRef idx="2">
+                <a:schemeClr val="accent1">
+                  <a:shade val="50000"/>
+                </a:schemeClr>
+              </a:lnRef>
+              <a:fillRef idx="1">
+                <a:schemeClr val="accent1"/>
+              </a:fillRef>
+              <a:effectRef idx="0">
+                <a:schemeClr val="accent1"/>
+              </a:effectRef>
+              <a:fontRef idx="minor">
+                <a:schemeClr val="lt1"/>
+              </a:fontRef>
+            </p:style>
+            <p:txBody>
+              <a:bodyPr rtlCol="0" anchor="ctr"/>
+              <a:lstStyle/>
+              <a:p>
+                <a:pPr algn="ctr"/>
+                <a:endParaRPr lang="zh-TW" altLang="en-US"/>
+              </a:p>
+            </p:txBody>
+          </p:sp>
+          <p:sp>
+            <p:nvSpPr>
+              <p:cNvPr id="4" name="文字方塊 3"/>
+              <p:cNvSpPr txBox="1"/>
+              <p:nvPr/>
+            </p:nvSpPr>
+            <p:spPr>
+              <a:xfrm>
+                <a:off x="3046357" y="2405552"/>
+                <a:ext cx="444352" cy="584775"/>
+              </a:xfrm>
+              <a:prstGeom prst="rect">
+                <a:avLst/>
+              </a:prstGeom>
+              <a:noFill/>
+            </p:spPr>
+            <p:txBody>
+              <a:bodyPr wrap="none" rtlCol="0">
+                <a:spAutoFit/>
+              </a:bodyPr>
+              <a:lstStyle/>
+              <a:p>
+                <a:r>
+                  <a:rPr lang="en-US" altLang="zh-TW" sz="3200" dirty="0" smtClean="0">
+                    <a:solidFill>
+                      <a:schemeClr val="bg1"/>
+                    </a:solidFill>
+                    <a:latin typeface="Source Code Pro" panose="020B0509030403020204" pitchFamily="49" charset="0"/>
+                  </a:rPr>
+                  <a:t>G</a:t>
+                </a:r>
+                <a:endParaRPr lang="zh-TW" altLang="en-US" sz="3200" dirty="0">
+                  <a:solidFill>
+                    <a:schemeClr val="bg1"/>
+                  </a:solidFill>
+                  <a:latin typeface="Source Code Pro" panose="020B0509030403020204" pitchFamily="49" charset="0"/>
+                </a:endParaRPr>
+              </a:p>
+            </p:txBody>
+          </p:sp>
+        </p:grpSp>
+        <p:grpSp>
+          <p:nvGrpSpPr>
+            <p:cNvPr id="6" name="群組 5"/>
+            <p:cNvGrpSpPr/>
+            <p:nvPr/>
+          </p:nvGrpSpPr>
+          <p:grpSpPr>
+            <a:xfrm>
+              <a:off x="5947066" y="2293184"/>
+              <a:ext cx="1272335" cy="1495313"/>
+              <a:chOff x="4794541" y="1950284"/>
+              <a:chExt cx="1272335" cy="1495313"/>
+            </a:xfrm>
+          </p:grpSpPr>
+          <p:sp>
+            <p:nvSpPr>
+              <p:cNvPr id="54" name="梯形 53"/>
+              <p:cNvSpPr/>
+              <p:nvPr/>
+            </p:nvSpPr>
+            <p:spPr>
+              <a:xfrm rot="5400000">
+                <a:off x="4683052" y="2061773"/>
+                <a:ext cx="1495313" cy="1272335"/>
+              </a:xfrm>
+              <a:prstGeom prst="trapezoid">
+                <a:avLst/>
+              </a:prstGeom>
+              <a:solidFill>
+                <a:srgbClr val="92D050"/>
+              </a:solidFill>
+              <a:ln>
+                <a:noFill/>
+              </a:ln>
+            </p:spPr>
+            <p:style>
+              <a:lnRef idx="2">
+                <a:schemeClr val="accent1">
+                  <a:shade val="50000"/>
+                </a:schemeClr>
+              </a:lnRef>
+              <a:fillRef idx="1">
+                <a:schemeClr val="accent1"/>
+              </a:fillRef>
+              <a:effectRef idx="0">
+                <a:schemeClr val="accent1"/>
+              </a:effectRef>
+              <a:fontRef idx="minor">
+                <a:schemeClr val="lt1"/>
+              </a:fontRef>
+            </p:style>
+            <p:txBody>
+              <a:bodyPr rtlCol="0" anchor="ctr"/>
+              <a:lstStyle/>
+              <a:p>
+                <a:pPr algn="ctr"/>
+                <a:endParaRPr lang="zh-TW" altLang="en-US"/>
+              </a:p>
+            </p:txBody>
+          </p:sp>
+          <p:sp>
+            <p:nvSpPr>
+              <p:cNvPr id="55" name="文字方塊 54"/>
+              <p:cNvSpPr txBox="1"/>
+              <p:nvPr/>
+            </p:nvSpPr>
+            <p:spPr>
+              <a:xfrm>
+                <a:off x="5208532" y="2405551"/>
+                <a:ext cx="431528" cy="584775"/>
+              </a:xfrm>
+              <a:prstGeom prst="rect">
+                <a:avLst/>
+              </a:prstGeom>
+              <a:noFill/>
+            </p:spPr>
+            <p:txBody>
+              <a:bodyPr wrap="none" rtlCol="0">
+                <a:spAutoFit/>
+              </a:bodyPr>
+              <a:lstStyle/>
+              <a:p>
+                <a:r>
+                  <a:rPr lang="en-US" altLang="zh-TW" sz="3200" dirty="0">
+                    <a:solidFill>
+                      <a:schemeClr val="bg1"/>
+                    </a:solidFill>
+                    <a:latin typeface="Source Code Pro" panose="020B0509030403020204" pitchFamily="49" charset="0"/>
+                  </a:rPr>
+                  <a:t>D</a:t>
+                </a:r>
+                <a:endParaRPr lang="zh-TW" altLang="en-US" sz="3200" dirty="0">
+                  <a:solidFill>
+                    <a:schemeClr val="bg1"/>
+                  </a:solidFill>
+                  <a:latin typeface="Source Code Pro" panose="020B0509030403020204" pitchFamily="49" charset="0"/>
+                </a:endParaRPr>
+              </a:p>
+            </p:txBody>
+          </p:sp>
+        </p:grpSp>
+        <p:sp>
+          <p:nvSpPr>
+            <p:cNvPr id="63" name="文字方塊 62"/>
+            <p:cNvSpPr txBox="1"/>
+            <p:nvPr/>
+          </p:nvSpPr>
+          <p:spPr>
+            <a:xfrm>
+              <a:off x="2634397" y="1708406"/>
+              <a:ext cx="431528" cy="584775"/>
+            </a:xfrm>
+            <a:prstGeom prst="rect">
+              <a:avLst/>
+            </a:prstGeom>
+            <a:noFill/>
+          </p:spPr>
+          <p:txBody>
+            <a:bodyPr wrap="none" rtlCol="0">
+              <a:spAutoFit/>
+            </a:bodyPr>
+            <a:lstStyle/>
+            <a:p>
+              <a:r>
+                <a:rPr lang="en-US" altLang="zh-TW" sz="3200" dirty="0">
+                  <a:solidFill>
+                    <a:schemeClr val="bg1"/>
+                  </a:solidFill>
+                  <a:latin typeface="Source Code Pro" panose="020B0509030403020204" pitchFamily="49" charset="0"/>
+                </a:rPr>
+                <a:t>Z</a:t>
+              </a:r>
+              <a:endParaRPr lang="zh-TW" altLang="en-US" sz="3200" dirty="0">
+                <a:solidFill>
+                  <a:schemeClr val="bg1"/>
+                </a:solidFill>
+                <a:latin typeface="Source Code Pro" panose="020B0509030403020204" pitchFamily="49" charset="0"/>
+              </a:endParaRPr>
+            </a:p>
+          </p:txBody>
+        </p:sp>
+        <p:cxnSp>
+          <p:nvCxnSpPr>
+            <p:cNvPr id="9" name="直線單箭頭接點 8"/>
+            <p:cNvCxnSpPr>
+              <a:stCxn id="63" idx="3"/>
+              <a:endCxn id="3" idx="0"/>
+            </p:cNvCxnSpPr>
+            <p:nvPr/>
+          </p:nvCxnSpPr>
+          <p:spPr>
+            <a:xfrm>
+              <a:off x="3065925" y="2000794"/>
+              <a:ext cx="642580" cy="0"/>
+            </a:xfrm>
+            <a:prstGeom prst="straightConnector1">
+              <a:avLst/>
+            </a:prstGeom>
+            <a:ln w="38100">
+              <a:solidFill>
+                <a:srgbClr val="D11561"/>
+              </a:solidFill>
+              <a:tailEnd type="triangle" w="lg" len="lg"/>
+            </a:ln>
+          </p:spPr>
+          <p:style>
+            <a:lnRef idx="1">
+              <a:schemeClr val="accent1"/>
+            </a:lnRef>
+            <a:fillRef idx="0">
+              <a:schemeClr val="accent1"/>
+            </a:fillRef>
+            <a:effectRef idx="0">
+              <a:schemeClr val="accent1"/>
+            </a:effectRef>
+            <a:fontRef idx="minor">
+              <a:schemeClr val="tx1"/>
+            </a:fontRef>
+          </p:style>
+        </p:cxnSp>
+        <p:cxnSp>
+          <p:nvCxnSpPr>
+            <p:cNvPr id="66" name="直線單箭頭接點 65"/>
+            <p:cNvCxnSpPr>
+              <a:stCxn id="3" idx="2"/>
+            </p:cNvCxnSpPr>
+            <p:nvPr/>
+          </p:nvCxnSpPr>
+          <p:spPr>
+            <a:xfrm>
+              <a:off x="4980840" y="2000794"/>
+              <a:ext cx="966225" cy="679991"/>
+            </a:xfrm>
+            <a:prstGeom prst="bentConnector3">
+              <a:avLst>
+                <a:gd name="adj1" fmla="val 50000"/>
+              </a:avLst>
+            </a:prstGeom>
+            <a:ln w="38100">
+              <a:solidFill>
+                <a:srgbClr val="D11561"/>
+              </a:solidFill>
+              <a:tailEnd type="triangle" w="lg" len="lg"/>
+            </a:ln>
+          </p:spPr>
+          <p:style>
+            <a:lnRef idx="1">
+              <a:schemeClr val="accent1"/>
+            </a:lnRef>
+            <a:fillRef idx="0">
+              <a:schemeClr val="accent1"/>
+            </a:fillRef>
+            <a:effectRef idx="0">
+              <a:schemeClr val="accent1"/>
+            </a:effectRef>
+            <a:fontRef idx="minor">
+              <a:schemeClr val="tx1"/>
+            </a:fontRef>
+          </p:style>
+        </p:cxnSp>
+        <p:sp>
+          <p:nvSpPr>
+            <p:cNvPr id="13" name="圓柱 12"/>
+            <p:cNvSpPr/>
+            <p:nvPr/>
+          </p:nvSpPr>
+          <p:spPr>
+            <a:xfrm>
+              <a:off x="3708505" y="3184146"/>
+              <a:ext cx="1272335" cy="1165369"/>
+            </a:xfrm>
+            <a:prstGeom prst="can">
+              <a:avLst/>
+            </a:prstGeom>
+            <a:solidFill>
+              <a:srgbClr val="00B0F0"/>
+            </a:solidFill>
+            <a:ln>
+              <a:noFill/>
+            </a:ln>
+          </p:spPr>
+          <p:style>
+            <a:lnRef idx="2">
+              <a:schemeClr val="accent1">
+                <a:shade val="50000"/>
+              </a:schemeClr>
+            </a:lnRef>
+            <a:fillRef idx="1">
+              <a:schemeClr val="accent1"/>
+            </a:fillRef>
+            <a:effectRef idx="0">
+              <a:schemeClr val="accent1"/>
+            </a:effectRef>
+            <a:fontRef idx="minor">
+              <a:schemeClr val="lt1"/>
+            </a:fontRef>
+          </p:style>
+          <p:txBody>
+            <a:bodyPr rtlCol="0" anchor="ctr"/>
+            <a:lstStyle/>
+            <a:p>
+              <a:pPr algn="ctr"/>
+              <a:r>
+                <a:rPr lang="en-US" altLang="zh-TW" sz="2400" dirty="0" smtClean="0">
+                  <a:latin typeface="Source Code Pro" panose="020B0509030403020204" pitchFamily="49" charset="0"/>
+                </a:rPr>
+                <a:t>Real Data</a:t>
+              </a:r>
+              <a:endParaRPr lang="zh-TW" altLang="en-US" sz="2400" dirty="0">
+                <a:latin typeface="Source Code Pro" panose="020B0509030403020204" pitchFamily="49" charset="0"/>
+              </a:endParaRPr>
+            </a:p>
+          </p:txBody>
+        </p:sp>
+        <p:cxnSp>
+          <p:nvCxnSpPr>
+            <p:cNvPr id="72" name="直線單箭頭接點 65"/>
+            <p:cNvCxnSpPr>
+              <a:stCxn id="13" idx="4"/>
+            </p:cNvCxnSpPr>
+            <p:nvPr/>
+          </p:nvCxnSpPr>
+          <p:spPr>
+            <a:xfrm flipV="1">
+              <a:off x="4980840" y="3333226"/>
+              <a:ext cx="966225" cy="433605"/>
+            </a:xfrm>
+            <a:prstGeom prst="bentConnector3">
+              <a:avLst>
+                <a:gd name="adj1" fmla="val 50000"/>
+              </a:avLst>
+            </a:prstGeom>
+            <a:ln w="38100">
+              <a:solidFill>
+                <a:srgbClr val="0070C0"/>
+              </a:solidFill>
+              <a:tailEnd type="triangle" w="lg" len="lg"/>
+            </a:ln>
+          </p:spPr>
+          <p:style>
+            <a:lnRef idx="1">
+              <a:schemeClr val="accent1"/>
+            </a:lnRef>
+            <a:fillRef idx="0">
+              <a:schemeClr val="accent1"/>
+            </a:fillRef>
+            <a:effectRef idx="0">
+              <a:schemeClr val="accent1"/>
+            </a:effectRef>
+            <a:fontRef idx="minor">
+              <a:schemeClr val="tx1"/>
+            </a:fontRef>
+          </p:style>
+        </p:cxnSp>
+        <p:cxnSp>
+          <p:nvCxnSpPr>
+            <p:cNvPr id="82" name="直線單箭頭接點 81"/>
+            <p:cNvCxnSpPr/>
+            <p:nvPr/>
+          </p:nvCxnSpPr>
+          <p:spPr>
+            <a:xfrm>
+              <a:off x="7219401" y="3333226"/>
+              <a:ext cx="642580" cy="0"/>
+            </a:xfrm>
+            <a:prstGeom prst="straightConnector1">
+              <a:avLst/>
+            </a:prstGeom>
+            <a:ln w="38100">
+              <a:solidFill>
+                <a:srgbClr val="0070C0"/>
+              </a:solidFill>
+              <a:tailEnd type="triangle" w="lg" len="lg"/>
+            </a:ln>
+          </p:spPr>
+          <p:style>
+            <a:lnRef idx="1">
+              <a:schemeClr val="accent1"/>
+            </a:lnRef>
+            <a:fillRef idx="0">
+              <a:schemeClr val="accent1"/>
+            </a:fillRef>
+            <a:effectRef idx="0">
+              <a:schemeClr val="accent1"/>
+            </a:effectRef>
+            <a:fontRef idx="minor">
+              <a:schemeClr val="tx1"/>
+            </a:fontRef>
+          </p:style>
+        </p:cxnSp>
+        <p:cxnSp>
+          <p:nvCxnSpPr>
+            <p:cNvPr id="83" name="直線單箭頭接點 82"/>
+            <p:cNvCxnSpPr/>
+            <p:nvPr/>
+          </p:nvCxnSpPr>
+          <p:spPr>
+            <a:xfrm>
+              <a:off x="7219401" y="2748451"/>
+              <a:ext cx="642580" cy="0"/>
+            </a:xfrm>
+            <a:prstGeom prst="straightConnector1">
+              <a:avLst/>
+            </a:prstGeom>
+            <a:ln w="38100">
+              <a:solidFill>
+                <a:srgbClr val="D11561"/>
+              </a:solidFill>
+              <a:tailEnd type="triangle" w="lg" len="lg"/>
+            </a:ln>
+          </p:spPr>
+          <p:style>
+            <a:lnRef idx="1">
+              <a:schemeClr val="accent1"/>
+            </a:lnRef>
+            <a:fillRef idx="0">
+              <a:schemeClr val="accent1"/>
+            </a:fillRef>
+            <a:effectRef idx="0">
+              <a:schemeClr val="accent1"/>
+            </a:effectRef>
+            <a:fontRef idx="minor">
+              <a:schemeClr val="tx1"/>
+            </a:fontRef>
+          </p:style>
+        </p:cxnSp>
+        <p:sp>
+          <p:nvSpPr>
+            <p:cNvPr id="84" name="文字方塊 83"/>
+            <p:cNvSpPr txBox="1"/>
+            <p:nvPr/>
+          </p:nvSpPr>
+          <p:spPr>
+            <a:xfrm>
+              <a:off x="7861981" y="3071616"/>
+              <a:ext cx="1091519" cy="523220"/>
+            </a:xfrm>
+            <a:prstGeom prst="rect">
+              <a:avLst/>
+            </a:prstGeom>
+            <a:noFill/>
+          </p:spPr>
+          <p:txBody>
+            <a:bodyPr wrap="square" rtlCol="0">
+              <a:spAutoFit/>
+            </a:bodyPr>
+            <a:lstStyle/>
+            <a:p>
+              <a:r>
+                <a:rPr lang="en-US" altLang="zh-TW" sz="2800" dirty="0" smtClean="0">
+                  <a:solidFill>
+                    <a:schemeClr val="bg1"/>
+                  </a:solidFill>
+                  <a:latin typeface="Source Code Pro" panose="020B0509030403020204" pitchFamily="49" charset="0"/>
+                </a:rPr>
+                <a:t>Real</a:t>
+              </a:r>
+              <a:endParaRPr lang="zh-TW" altLang="en-US" sz="2800" dirty="0">
+                <a:solidFill>
+                  <a:schemeClr val="bg1"/>
+                </a:solidFill>
+                <a:latin typeface="Source Code Pro" panose="020B0509030403020204" pitchFamily="49" charset="0"/>
+              </a:endParaRPr>
+            </a:p>
+          </p:txBody>
+        </p:sp>
+        <p:sp>
+          <p:nvSpPr>
+            <p:cNvPr id="85" name="文字方塊 84"/>
+            <p:cNvSpPr txBox="1"/>
+            <p:nvPr/>
+          </p:nvSpPr>
+          <p:spPr>
+            <a:xfrm>
+              <a:off x="7861980" y="2486841"/>
+              <a:ext cx="1091519" cy="523220"/>
+            </a:xfrm>
+            <a:prstGeom prst="rect">
+              <a:avLst/>
+            </a:prstGeom>
+            <a:noFill/>
+          </p:spPr>
+          <p:txBody>
+            <a:bodyPr wrap="square" rtlCol="0">
+              <a:spAutoFit/>
+            </a:bodyPr>
+            <a:lstStyle/>
+            <a:p>
+              <a:r>
+                <a:rPr lang="en-US" altLang="zh-TW" sz="2800" dirty="0" smtClean="0">
+                  <a:solidFill>
+                    <a:schemeClr val="bg1"/>
+                  </a:solidFill>
+                  <a:latin typeface="Source Code Pro" panose="020B0509030403020204" pitchFamily="49" charset="0"/>
+                </a:rPr>
+                <a:t>Fake</a:t>
+              </a:r>
+              <a:endParaRPr lang="zh-TW" altLang="en-US" sz="2800" dirty="0">
+                <a:solidFill>
+                  <a:schemeClr val="bg1"/>
+                </a:solidFill>
+                <a:latin typeface="Source Code Pro" panose="020B0509030403020204" pitchFamily="49" charset="0"/>
+              </a:endParaRPr>
+            </a:p>
+          </p:txBody>
+        </p:sp>
+        <p:sp>
+          <p:nvSpPr>
+            <p:cNvPr id="30" name="矩形 29"/>
+            <p:cNvSpPr/>
+            <p:nvPr/>
+          </p:nvSpPr>
+          <p:spPr>
+            <a:xfrm>
+              <a:off x="5623419" y="2085975"/>
+              <a:ext cx="1834656" cy="1857375"/>
+            </a:xfrm>
+            <a:prstGeom prst="rect">
+              <a:avLst/>
+            </a:prstGeom>
+            <a:noFill/>
+            <a:ln w="38100">
+              <a:solidFill>
+                <a:schemeClr val="accent4"/>
+              </a:solidFill>
+            </a:ln>
+          </p:spPr>
+          <p:style>
+            <a:lnRef idx="2">
+              <a:schemeClr val="accent1">
+                <a:shade val="50000"/>
+              </a:schemeClr>
+            </a:lnRef>
+            <a:fillRef idx="1">
+              <a:schemeClr val="accent1"/>
+            </a:fillRef>
+            <a:effectRef idx="0">
+              <a:schemeClr val="accent1"/>
+            </a:effectRef>
+            <a:fontRef idx="minor">
+              <a:schemeClr val="lt1"/>
+            </a:fontRef>
+          </p:style>
+          <p:txBody>
+            <a:bodyPr rtlCol="0" anchor="ctr"/>
+            <a:lstStyle/>
+            <a:p>
+              <a:pPr algn="ctr"/>
+              <a:endParaRPr lang="zh-TW" altLang="en-US"/>
+            </a:p>
+          </p:txBody>
+        </p:sp>
+        <p:sp>
+          <p:nvSpPr>
+            <p:cNvPr id="86" name="文字方塊 85"/>
+            <p:cNvSpPr txBox="1"/>
+            <p:nvPr/>
+          </p:nvSpPr>
+          <p:spPr>
+            <a:xfrm>
+              <a:off x="5772248" y="1480775"/>
+              <a:ext cx="1536997" cy="584775"/>
+            </a:xfrm>
+            <a:prstGeom prst="rect">
+              <a:avLst/>
+            </a:prstGeom>
+            <a:noFill/>
+          </p:spPr>
+          <p:txBody>
+            <a:bodyPr wrap="square" rtlCol="0">
+              <a:spAutoFit/>
+            </a:bodyPr>
+            <a:lstStyle/>
+            <a:p>
+              <a:r>
+                <a:rPr lang="en-US" altLang="zh-TW" sz="3200" dirty="0" smtClean="0">
+                  <a:solidFill>
+                    <a:schemeClr val="accent4"/>
+                  </a:solidFill>
+                  <a:latin typeface="Source Code Pro" panose="020B0509030403020204" pitchFamily="49" charset="0"/>
+                </a:rPr>
+                <a:t>Train</a:t>
+              </a:r>
+              <a:endParaRPr lang="zh-TW" altLang="en-US" sz="3200" dirty="0">
+                <a:solidFill>
+                  <a:schemeClr val="accent4"/>
+                </a:solidFill>
+                <a:latin typeface="Source Code Pro" panose="020B0509030403020204" pitchFamily="49" charset="0"/>
+              </a:endParaRPr>
+            </a:p>
+          </p:txBody>
+        </p:sp>
+      </p:grpSp>
+    </p:spTree>
+    <p:extLst>
+      <p:ext uri="{BB962C8B-B14F-4D97-AF65-F5344CB8AC3E}">
+        <p14:creationId xmlns:p14="http://schemas.microsoft.com/office/powerpoint/2010/main" val="3028181054"/>
+      </p:ext>
+    </p:extLst>
+  </p:cSld>
+  <p:clrMapOvr>
+    <a:masterClrMapping/>
+  </p:clrMapOvr>
+</p:sld>
+</file>
+
 <file path=ppt/slides/slide2.xml><?xml version="1.0" encoding="utf-8"?>
 <p:sld xmlns:a="http://schemas.openxmlformats.org/drawingml/2006/main" xmlns:r="http://schemas.openxmlformats.org/officeDocument/2006/relationships" xmlns:p="http://schemas.openxmlformats.org/presentationml/2006/main">
   <p:cSld>
@@ -35016,6 +35710,3882 @@
     <p:extLst>
       <p:ext uri="{BB962C8B-B14F-4D97-AF65-F5344CB8AC3E}">
         <p14:creationId xmlns:p14="http://schemas.microsoft.com/office/powerpoint/2010/main" val="3172986414"/>
+      </p:ext>
+    </p:extLst>
+  </p:cSld>
+  <p:clrMapOvr>
+    <a:masterClrMapping/>
+  </p:clrMapOvr>
+</p:sld>
+</file>
+
+<file path=ppt/slides/slide20.xml><?xml version="1.0" encoding="utf-8"?>
+<p:sld xmlns:a="http://schemas.openxmlformats.org/drawingml/2006/main" xmlns:r="http://schemas.openxmlformats.org/officeDocument/2006/relationships" xmlns:p="http://schemas.openxmlformats.org/presentationml/2006/main">
+  <p:cSld>
+    <p:bg>
+      <p:bgPr>
+        <a:solidFill>
+          <a:srgbClr val="282828"/>
+        </a:solidFill>
+        <a:effectLst/>
+      </p:bgPr>
+    </p:bg>
+    <p:spTree>
+      <p:nvGrpSpPr>
+        <p:cNvPr id="1" name=""/>
+        <p:cNvGrpSpPr/>
+        <p:nvPr/>
+      </p:nvGrpSpPr>
+      <p:grpSpPr>
+        <a:xfrm>
+          <a:off x="0" y="0"/>
+          <a:ext cx="0" cy="0"/>
+          <a:chOff x="0" y="0"/>
+          <a:chExt cx="0" cy="0"/>
+        </a:xfrm>
+      </p:grpSpPr>
+      <p:grpSp>
+        <p:nvGrpSpPr>
+          <p:cNvPr id="26" name="群組 25"/>
+          <p:cNvGrpSpPr/>
+          <p:nvPr/>
+        </p:nvGrpSpPr>
+        <p:grpSpPr>
+          <a:xfrm>
+            <a:off x="3034265" y="1480775"/>
+            <a:ext cx="6300234" cy="2462575"/>
+            <a:chOff x="3034265" y="1480775"/>
+            <a:chExt cx="6300234" cy="2462575"/>
+          </a:xfrm>
+        </p:grpSpPr>
+        <p:grpSp>
+          <p:nvGrpSpPr>
+            <p:cNvPr id="7" name="群組 6"/>
+            <p:cNvGrpSpPr/>
+            <p:nvPr/>
+          </p:nvGrpSpPr>
+          <p:grpSpPr>
+            <a:xfrm>
+              <a:off x="4108373" y="2293184"/>
+              <a:ext cx="1272335" cy="1495313"/>
+              <a:chOff x="2632366" y="1950284"/>
+              <a:chExt cx="1272335" cy="1495313"/>
+            </a:xfrm>
+          </p:grpSpPr>
+          <p:sp>
+            <p:nvSpPr>
+              <p:cNvPr id="3" name="梯形 2"/>
+              <p:cNvSpPr/>
+              <p:nvPr/>
+            </p:nvSpPr>
+            <p:spPr>
+              <a:xfrm rot="16200000">
+                <a:off x="2520877" y="2061773"/>
+                <a:ext cx="1495313" cy="1272335"/>
+              </a:xfrm>
+              <a:prstGeom prst="trapezoid">
+                <a:avLst/>
+              </a:prstGeom>
+              <a:solidFill>
+                <a:srgbClr val="EC4488"/>
+              </a:solidFill>
+              <a:ln>
+                <a:noFill/>
+              </a:ln>
+            </p:spPr>
+            <p:style>
+              <a:lnRef idx="2">
+                <a:schemeClr val="accent1">
+                  <a:shade val="50000"/>
+                </a:schemeClr>
+              </a:lnRef>
+              <a:fillRef idx="1">
+                <a:schemeClr val="accent1"/>
+              </a:fillRef>
+              <a:effectRef idx="0">
+                <a:schemeClr val="accent1"/>
+              </a:effectRef>
+              <a:fontRef idx="minor">
+                <a:schemeClr val="lt1"/>
+              </a:fontRef>
+            </p:style>
+            <p:txBody>
+              <a:bodyPr rtlCol="0" anchor="ctr"/>
+              <a:lstStyle/>
+              <a:p>
+                <a:pPr algn="ctr"/>
+                <a:endParaRPr lang="zh-TW" altLang="en-US"/>
+              </a:p>
+            </p:txBody>
+          </p:sp>
+          <p:sp>
+            <p:nvSpPr>
+              <p:cNvPr id="4" name="文字方塊 3"/>
+              <p:cNvSpPr txBox="1"/>
+              <p:nvPr/>
+            </p:nvSpPr>
+            <p:spPr>
+              <a:xfrm>
+                <a:off x="3046357" y="2405552"/>
+                <a:ext cx="444352" cy="584775"/>
+              </a:xfrm>
+              <a:prstGeom prst="rect">
+                <a:avLst/>
+              </a:prstGeom>
+              <a:noFill/>
+            </p:spPr>
+            <p:txBody>
+              <a:bodyPr wrap="none" rtlCol="0">
+                <a:spAutoFit/>
+              </a:bodyPr>
+              <a:lstStyle/>
+              <a:p>
+                <a:r>
+                  <a:rPr lang="en-US" altLang="zh-TW" sz="3200" dirty="0" smtClean="0">
+                    <a:solidFill>
+                      <a:schemeClr val="bg1"/>
+                    </a:solidFill>
+                    <a:latin typeface="Source Code Pro" panose="020B0509030403020204" pitchFamily="49" charset="0"/>
+                  </a:rPr>
+                  <a:t>G</a:t>
+                </a:r>
+                <a:endParaRPr lang="zh-TW" altLang="en-US" sz="3200" dirty="0">
+                  <a:solidFill>
+                    <a:schemeClr val="bg1"/>
+                  </a:solidFill>
+                  <a:latin typeface="Source Code Pro" panose="020B0509030403020204" pitchFamily="49" charset="0"/>
+                </a:endParaRPr>
+              </a:p>
+            </p:txBody>
+          </p:sp>
+        </p:grpSp>
+        <p:grpSp>
+          <p:nvGrpSpPr>
+            <p:cNvPr id="6" name="群組 5"/>
+            <p:cNvGrpSpPr/>
+            <p:nvPr/>
+          </p:nvGrpSpPr>
+          <p:grpSpPr>
+            <a:xfrm>
+              <a:off x="5947066" y="2293184"/>
+              <a:ext cx="1272335" cy="1495313"/>
+              <a:chOff x="4794541" y="1950284"/>
+              <a:chExt cx="1272335" cy="1495313"/>
+            </a:xfrm>
+          </p:grpSpPr>
+          <p:sp>
+            <p:nvSpPr>
+              <p:cNvPr id="54" name="梯形 53"/>
+              <p:cNvSpPr/>
+              <p:nvPr/>
+            </p:nvSpPr>
+            <p:spPr>
+              <a:xfrm rot="5400000">
+                <a:off x="4683052" y="2061773"/>
+                <a:ext cx="1495313" cy="1272335"/>
+              </a:xfrm>
+              <a:prstGeom prst="trapezoid">
+                <a:avLst/>
+              </a:prstGeom>
+              <a:solidFill>
+                <a:srgbClr val="92D050"/>
+              </a:solidFill>
+              <a:ln>
+                <a:noFill/>
+              </a:ln>
+            </p:spPr>
+            <p:style>
+              <a:lnRef idx="2">
+                <a:schemeClr val="accent1">
+                  <a:shade val="50000"/>
+                </a:schemeClr>
+              </a:lnRef>
+              <a:fillRef idx="1">
+                <a:schemeClr val="accent1"/>
+              </a:fillRef>
+              <a:effectRef idx="0">
+                <a:schemeClr val="accent1"/>
+              </a:effectRef>
+              <a:fontRef idx="minor">
+                <a:schemeClr val="lt1"/>
+              </a:fontRef>
+            </p:style>
+            <p:txBody>
+              <a:bodyPr rtlCol="0" anchor="ctr"/>
+              <a:lstStyle/>
+              <a:p>
+                <a:pPr algn="ctr"/>
+                <a:endParaRPr lang="zh-TW" altLang="en-US"/>
+              </a:p>
+            </p:txBody>
+          </p:sp>
+          <p:sp>
+            <p:nvSpPr>
+              <p:cNvPr id="55" name="文字方塊 54"/>
+              <p:cNvSpPr txBox="1"/>
+              <p:nvPr/>
+            </p:nvSpPr>
+            <p:spPr>
+              <a:xfrm>
+                <a:off x="5208532" y="2405551"/>
+                <a:ext cx="431528" cy="584775"/>
+              </a:xfrm>
+              <a:prstGeom prst="rect">
+                <a:avLst/>
+              </a:prstGeom>
+              <a:noFill/>
+            </p:spPr>
+            <p:txBody>
+              <a:bodyPr wrap="none" rtlCol="0">
+                <a:spAutoFit/>
+              </a:bodyPr>
+              <a:lstStyle/>
+              <a:p>
+                <a:r>
+                  <a:rPr lang="en-US" altLang="zh-TW" sz="3200" dirty="0">
+                    <a:solidFill>
+                      <a:schemeClr val="bg1"/>
+                    </a:solidFill>
+                    <a:latin typeface="Source Code Pro" panose="020B0509030403020204" pitchFamily="49" charset="0"/>
+                  </a:rPr>
+                  <a:t>D</a:t>
+                </a:r>
+                <a:endParaRPr lang="zh-TW" altLang="en-US" sz="3200" dirty="0">
+                  <a:solidFill>
+                    <a:schemeClr val="bg1"/>
+                  </a:solidFill>
+                  <a:latin typeface="Source Code Pro" panose="020B0509030403020204" pitchFamily="49" charset="0"/>
+                </a:endParaRPr>
+              </a:p>
+            </p:txBody>
+          </p:sp>
+        </p:grpSp>
+        <p:sp>
+          <p:nvSpPr>
+            <p:cNvPr id="63" name="文字方塊 62"/>
+            <p:cNvSpPr txBox="1"/>
+            <p:nvPr/>
+          </p:nvSpPr>
+          <p:spPr>
+            <a:xfrm>
+              <a:off x="3034265" y="2748452"/>
+              <a:ext cx="431528" cy="584775"/>
+            </a:xfrm>
+            <a:prstGeom prst="rect">
+              <a:avLst/>
+            </a:prstGeom>
+            <a:noFill/>
+          </p:spPr>
+          <p:txBody>
+            <a:bodyPr wrap="none" rtlCol="0">
+              <a:spAutoFit/>
+            </a:bodyPr>
+            <a:lstStyle/>
+            <a:p>
+              <a:r>
+                <a:rPr lang="en-US" altLang="zh-TW" sz="3200" dirty="0">
+                  <a:solidFill>
+                    <a:schemeClr val="bg1"/>
+                  </a:solidFill>
+                  <a:latin typeface="Source Code Pro" panose="020B0509030403020204" pitchFamily="49" charset="0"/>
+                </a:rPr>
+                <a:t>Z</a:t>
+              </a:r>
+              <a:endParaRPr lang="zh-TW" altLang="en-US" sz="3200" dirty="0">
+                <a:solidFill>
+                  <a:schemeClr val="bg1"/>
+                </a:solidFill>
+                <a:latin typeface="Source Code Pro" panose="020B0509030403020204" pitchFamily="49" charset="0"/>
+              </a:endParaRPr>
+            </a:p>
+          </p:txBody>
+        </p:sp>
+        <p:cxnSp>
+          <p:nvCxnSpPr>
+            <p:cNvPr id="9" name="直線單箭頭接點 8"/>
+            <p:cNvCxnSpPr>
+              <a:stCxn id="63" idx="3"/>
+              <a:endCxn id="3" idx="0"/>
+            </p:cNvCxnSpPr>
+            <p:nvPr/>
+          </p:nvCxnSpPr>
+          <p:spPr>
+            <a:xfrm>
+              <a:off x="3465793" y="3040840"/>
+              <a:ext cx="642580" cy="0"/>
+            </a:xfrm>
+            <a:prstGeom prst="straightConnector1">
+              <a:avLst/>
+            </a:prstGeom>
+            <a:ln w="38100">
+              <a:solidFill>
+                <a:srgbClr val="D11561"/>
+              </a:solidFill>
+              <a:tailEnd type="triangle" w="lg" len="lg"/>
+            </a:ln>
+          </p:spPr>
+          <p:style>
+            <a:lnRef idx="1">
+              <a:schemeClr val="accent1"/>
+            </a:lnRef>
+            <a:fillRef idx="0">
+              <a:schemeClr val="accent1"/>
+            </a:fillRef>
+            <a:effectRef idx="0">
+              <a:schemeClr val="accent1"/>
+            </a:effectRef>
+            <a:fontRef idx="minor">
+              <a:schemeClr val="tx1"/>
+            </a:fontRef>
+          </p:style>
+        </p:cxnSp>
+        <p:cxnSp>
+          <p:nvCxnSpPr>
+            <p:cNvPr id="66" name="直線單箭頭接點 65"/>
+            <p:cNvCxnSpPr>
+              <a:stCxn id="3" idx="2"/>
+              <a:endCxn id="54" idx="2"/>
+            </p:cNvCxnSpPr>
+            <p:nvPr/>
+          </p:nvCxnSpPr>
+          <p:spPr>
+            <a:xfrm>
+              <a:off x="5380708" y="3040840"/>
+              <a:ext cx="566358" cy="1"/>
+            </a:xfrm>
+            <a:prstGeom prst="straightConnector1">
+              <a:avLst/>
+            </a:prstGeom>
+            <a:ln w="38100">
+              <a:solidFill>
+                <a:srgbClr val="D11561"/>
+              </a:solidFill>
+              <a:tailEnd type="triangle" w="lg" len="lg"/>
+            </a:ln>
+          </p:spPr>
+          <p:style>
+            <a:lnRef idx="1">
+              <a:schemeClr val="accent1"/>
+            </a:lnRef>
+            <a:fillRef idx="0">
+              <a:schemeClr val="accent1"/>
+            </a:fillRef>
+            <a:effectRef idx="0">
+              <a:schemeClr val="accent1"/>
+            </a:effectRef>
+            <a:fontRef idx="minor">
+              <a:schemeClr val="tx1"/>
+            </a:fontRef>
+          </p:style>
+        </p:cxnSp>
+        <p:cxnSp>
+          <p:nvCxnSpPr>
+            <p:cNvPr id="83" name="直線單箭頭接點 82"/>
+            <p:cNvCxnSpPr>
+              <a:stCxn id="54" idx="0"/>
+              <a:endCxn id="15" idx="1"/>
+            </p:cNvCxnSpPr>
+            <p:nvPr/>
+          </p:nvCxnSpPr>
+          <p:spPr>
+            <a:xfrm flipV="1">
+              <a:off x="7219401" y="3040838"/>
+              <a:ext cx="566355" cy="3"/>
+            </a:xfrm>
+            <a:prstGeom prst="straightConnector1">
+              <a:avLst/>
+            </a:prstGeom>
+            <a:ln w="38100">
+              <a:solidFill>
+                <a:srgbClr val="D11561"/>
+              </a:solidFill>
+              <a:tailEnd type="triangle" w="lg" len="lg"/>
+            </a:ln>
+          </p:spPr>
+          <p:style>
+            <a:lnRef idx="1">
+              <a:schemeClr val="accent1"/>
+            </a:lnRef>
+            <a:fillRef idx="0">
+              <a:schemeClr val="accent1"/>
+            </a:fillRef>
+            <a:effectRef idx="0">
+              <a:schemeClr val="accent1"/>
+            </a:effectRef>
+            <a:fontRef idx="minor">
+              <a:schemeClr val="tx1"/>
+            </a:fontRef>
+          </p:style>
+        </p:cxnSp>
+        <p:sp>
+          <p:nvSpPr>
+            <p:cNvPr id="15" name="右大括弧 14"/>
+            <p:cNvSpPr/>
+            <p:nvPr/>
+          </p:nvSpPr>
+          <p:spPr>
+            <a:xfrm rot="10800000">
+              <a:off x="7785756" y="2748450"/>
+              <a:ext cx="267059" cy="584776"/>
+            </a:xfrm>
+            <a:prstGeom prst="rightBrace">
+              <a:avLst>
+                <a:gd name="adj1" fmla="val 35694"/>
+                <a:gd name="adj2" fmla="val 50000"/>
+              </a:avLst>
+            </a:prstGeom>
+            <a:ln w="38100">
+              <a:solidFill>
+                <a:srgbClr val="D11561"/>
+              </a:solidFill>
+            </a:ln>
+          </p:spPr>
+          <p:style>
+            <a:lnRef idx="1">
+              <a:schemeClr val="accent1"/>
+            </a:lnRef>
+            <a:fillRef idx="0">
+              <a:schemeClr val="accent1"/>
+            </a:fillRef>
+            <a:effectRef idx="0">
+              <a:schemeClr val="accent1"/>
+            </a:effectRef>
+            <a:fontRef idx="minor">
+              <a:schemeClr val="tx1"/>
+            </a:fontRef>
+          </p:style>
+          <p:txBody>
+            <a:bodyPr rtlCol="0" anchor="ctr"/>
+            <a:lstStyle/>
+            <a:p>
+              <a:pPr algn="ctr"/>
+              <a:endParaRPr lang="zh-TW" altLang="en-US"/>
+            </a:p>
+          </p:txBody>
+        </p:sp>
+        <p:grpSp>
+          <p:nvGrpSpPr>
+            <p:cNvPr id="25" name="群組 24"/>
+            <p:cNvGrpSpPr/>
+            <p:nvPr/>
+          </p:nvGrpSpPr>
+          <p:grpSpPr>
+            <a:xfrm>
+              <a:off x="8052815" y="2438858"/>
+              <a:ext cx="1281684" cy="553998"/>
+              <a:chOff x="8052816" y="3040838"/>
+              <a:chExt cx="1281684" cy="553998"/>
+            </a:xfrm>
+          </p:grpSpPr>
+          <p:sp>
+            <p:nvSpPr>
+              <p:cNvPr id="84" name="文字方塊 83"/>
+              <p:cNvSpPr txBox="1"/>
+              <p:nvPr/>
+            </p:nvSpPr>
+            <p:spPr>
+              <a:xfrm>
+                <a:off x="8052816" y="3071616"/>
+                <a:ext cx="1281684" cy="523220"/>
+              </a:xfrm>
+              <a:prstGeom prst="rect">
+                <a:avLst/>
+              </a:prstGeom>
+              <a:noFill/>
+            </p:spPr>
+            <p:txBody>
+              <a:bodyPr wrap="square" rtlCol="0">
+                <a:spAutoFit/>
+              </a:bodyPr>
+              <a:lstStyle/>
+              <a:p>
+                <a:r>
+                  <a:rPr lang="en-US" altLang="zh-TW" sz="2800" dirty="0" smtClean="0">
+                    <a:solidFill>
+                      <a:schemeClr val="accent4"/>
+                    </a:solidFill>
+                    <a:latin typeface="Source Code Pro" panose="020B0509030403020204" pitchFamily="49" charset="0"/>
+                  </a:rPr>
+                  <a:t>Real</a:t>
+                </a:r>
+                <a:endParaRPr lang="zh-TW" altLang="en-US" sz="2800" dirty="0">
+                  <a:solidFill>
+                    <a:schemeClr val="accent4"/>
+                  </a:solidFill>
+                  <a:latin typeface="Source Code Pro" panose="020B0509030403020204" pitchFamily="49" charset="0"/>
+                </a:endParaRPr>
+              </a:p>
+            </p:txBody>
+          </p:sp>
+          <p:cxnSp>
+            <p:nvCxnSpPr>
+              <p:cNvPr id="28" name="直線單箭頭接點 27"/>
+              <p:cNvCxnSpPr/>
+              <p:nvPr/>
+            </p:nvCxnSpPr>
+            <p:spPr>
+              <a:xfrm flipV="1">
+                <a:off x="9101148" y="3040838"/>
+                <a:ext cx="0" cy="430530"/>
+              </a:xfrm>
+              <a:prstGeom prst="straightConnector1">
+                <a:avLst/>
+              </a:prstGeom>
+              <a:ln w="38100">
+                <a:solidFill>
+                  <a:schemeClr val="accent4"/>
+                </a:solidFill>
+                <a:tailEnd type="triangle" w="lg" len="lg"/>
+              </a:ln>
+            </p:spPr>
+            <p:style>
+              <a:lnRef idx="1">
+                <a:schemeClr val="accent1"/>
+              </a:lnRef>
+              <a:fillRef idx="0">
+                <a:schemeClr val="accent1"/>
+              </a:fillRef>
+              <a:effectRef idx="0">
+                <a:schemeClr val="accent1"/>
+              </a:effectRef>
+              <a:fontRef idx="minor">
+                <a:schemeClr val="tx1"/>
+              </a:fontRef>
+            </p:style>
+          </p:cxnSp>
+        </p:grpSp>
+        <p:grpSp>
+          <p:nvGrpSpPr>
+            <p:cNvPr id="36" name="群組 35"/>
+            <p:cNvGrpSpPr/>
+            <p:nvPr/>
+          </p:nvGrpSpPr>
+          <p:grpSpPr>
+            <a:xfrm>
+              <a:off x="8052815" y="3023634"/>
+              <a:ext cx="1281684" cy="555962"/>
+              <a:chOff x="8052816" y="3071616"/>
+              <a:chExt cx="1281684" cy="555962"/>
+            </a:xfrm>
+          </p:grpSpPr>
+          <p:sp>
+            <p:nvSpPr>
+              <p:cNvPr id="37" name="文字方塊 36"/>
+              <p:cNvSpPr txBox="1"/>
+              <p:nvPr/>
+            </p:nvSpPr>
+            <p:spPr>
+              <a:xfrm>
+                <a:off x="8052816" y="3071616"/>
+                <a:ext cx="1281684" cy="523220"/>
+              </a:xfrm>
+              <a:prstGeom prst="rect">
+                <a:avLst/>
+              </a:prstGeom>
+              <a:noFill/>
+            </p:spPr>
+            <p:txBody>
+              <a:bodyPr wrap="square" rtlCol="0">
+                <a:spAutoFit/>
+              </a:bodyPr>
+              <a:lstStyle/>
+              <a:p>
+                <a:r>
+                  <a:rPr lang="en-US" altLang="zh-TW" sz="2800" dirty="0" smtClean="0">
+                    <a:solidFill>
+                      <a:schemeClr val="bg2">
+                        <a:lumMod val="75000"/>
+                      </a:schemeClr>
+                    </a:solidFill>
+                    <a:latin typeface="Source Code Pro" panose="020B0509030403020204" pitchFamily="49" charset="0"/>
+                  </a:rPr>
+                  <a:t>Fake</a:t>
+                </a:r>
+                <a:endParaRPr lang="zh-TW" altLang="en-US" sz="2800" dirty="0">
+                  <a:solidFill>
+                    <a:schemeClr val="bg2">
+                      <a:lumMod val="75000"/>
+                    </a:schemeClr>
+                  </a:solidFill>
+                  <a:latin typeface="Source Code Pro" panose="020B0509030403020204" pitchFamily="49" charset="0"/>
+                </a:endParaRPr>
+              </a:p>
+            </p:txBody>
+          </p:sp>
+          <p:cxnSp>
+            <p:nvCxnSpPr>
+              <p:cNvPr id="38" name="直線單箭頭接點 37"/>
+              <p:cNvCxnSpPr/>
+              <p:nvPr/>
+            </p:nvCxnSpPr>
+            <p:spPr>
+              <a:xfrm flipV="1">
+                <a:off x="9101148" y="3197048"/>
+                <a:ext cx="0" cy="430530"/>
+              </a:xfrm>
+              <a:prstGeom prst="straightConnector1">
+                <a:avLst/>
+              </a:prstGeom>
+              <a:ln w="38100">
+                <a:solidFill>
+                  <a:schemeClr val="bg2">
+                    <a:lumMod val="75000"/>
+                  </a:schemeClr>
+                </a:solidFill>
+                <a:headEnd type="triangle" w="lg" len="lg"/>
+                <a:tailEnd type="none" w="lg" len="lg"/>
+              </a:ln>
+            </p:spPr>
+            <p:style>
+              <a:lnRef idx="1">
+                <a:schemeClr val="accent1"/>
+              </a:lnRef>
+              <a:fillRef idx="0">
+                <a:schemeClr val="accent1"/>
+              </a:fillRef>
+              <a:effectRef idx="0">
+                <a:schemeClr val="accent1"/>
+              </a:effectRef>
+              <a:fontRef idx="minor">
+                <a:schemeClr val="tx1"/>
+              </a:fontRef>
+            </p:style>
+          </p:cxnSp>
+        </p:grpSp>
+        <p:sp>
+          <p:nvSpPr>
+            <p:cNvPr id="40" name="矩形 39"/>
+            <p:cNvSpPr/>
+            <p:nvPr/>
+          </p:nvSpPr>
+          <p:spPr>
+            <a:xfrm>
+              <a:off x="3732852" y="2085975"/>
+              <a:ext cx="1834656" cy="1857375"/>
+            </a:xfrm>
+            <a:prstGeom prst="rect">
+              <a:avLst/>
+            </a:prstGeom>
+            <a:noFill/>
+            <a:ln w="38100">
+              <a:solidFill>
+                <a:schemeClr val="accent4"/>
+              </a:solidFill>
+            </a:ln>
+          </p:spPr>
+          <p:style>
+            <a:lnRef idx="2">
+              <a:schemeClr val="accent1">
+                <a:shade val="50000"/>
+              </a:schemeClr>
+            </a:lnRef>
+            <a:fillRef idx="1">
+              <a:schemeClr val="accent1"/>
+            </a:fillRef>
+            <a:effectRef idx="0">
+              <a:schemeClr val="accent1"/>
+            </a:effectRef>
+            <a:fontRef idx="minor">
+              <a:schemeClr val="lt1"/>
+            </a:fontRef>
+          </p:style>
+          <p:txBody>
+            <a:bodyPr rtlCol="0" anchor="ctr"/>
+            <a:lstStyle/>
+            <a:p>
+              <a:pPr algn="ctr"/>
+              <a:endParaRPr lang="zh-TW" altLang="en-US"/>
+            </a:p>
+          </p:txBody>
+        </p:sp>
+        <p:sp>
+          <p:nvSpPr>
+            <p:cNvPr id="41" name="文字方塊 40"/>
+            <p:cNvSpPr txBox="1"/>
+            <p:nvPr/>
+          </p:nvSpPr>
+          <p:spPr>
+            <a:xfrm>
+              <a:off x="3881681" y="1480775"/>
+              <a:ext cx="1536997" cy="584775"/>
+            </a:xfrm>
+            <a:prstGeom prst="rect">
+              <a:avLst/>
+            </a:prstGeom>
+            <a:noFill/>
+          </p:spPr>
+          <p:txBody>
+            <a:bodyPr wrap="square" rtlCol="0">
+              <a:spAutoFit/>
+            </a:bodyPr>
+            <a:lstStyle/>
+            <a:p>
+              <a:r>
+                <a:rPr lang="en-US" altLang="zh-TW" sz="3200" dirty="0" smtClean="0">
+                  <a:solidFill>
+                    <a:schemeClr val="accent4"/>
+                  </a:solidFill>
+                  <a:latin typeface="Source Code Pro" panose="020B0509030403020204" pitchFamily="49" charset="0"/>
+                </a:rPr>
+                <a:t>Train</a:t>
+              </a:r>
+              <a:endParaRPr lang="zh-TW" altLang="en-US" sz="3200" dirty="0">
+                <a:solidFill>
+                  <a:schemeClr val="accent4"/>
+                </a:solidFill>
+                <a:latin typeface="Source Code Pro" panose="020B0509030403020204" pitchFamily="49" charset="0"/>
+              </a:endParaRPr>
+            </a:p>
+          </p:txBody>
+        </p:sp>
+      </p:grpSp>
+    </p:spTree>
+    <p:extLst>
+      <p:ext uri="{BB962C8B-B14F-4D97-AF65-F5344CB8AC3E}">
+        <p14:creationId xmlns:p14="http://schemas.microsoft.com/office/powerpoint/2010/main" val="1901144044"/>
+      </p:ext>
+    </p:extLst>
+  </p:cSld>
+  <p:clrMapOvr>
+    <a:masterClrMapping/>
+  </p:clrMapOvr>
+</p:sld>
+</file>
+
+<file path=ppt/slides/slide21.xml><?xml version="1.0" encoding="utf-8"?>
+<p:sld xmlns:a="http://schemas.openxmlformats.org/drawingml/2006/main" xmlns:r="http://schemas.openxmlformats.org/officeDocument/2006/relationships" xmlns:p="http://schemas.openxmlformats.org/presentationml/2006/main">
+  <p:cSld>
+    <p:bg>
+      <p:bgPr>
+        <a:solidFill>
+          <a:srgbClr val="282828"/>
+        </a:solidFill>
+        <a:effectLst/>
+      </p:bgPr>
+    </p:bg>
+    <p:spTree>
+      <p:nvGrpSpPr>
+        <p:cNvPr id="1" name=""/>
+        <p:cNvGrpSpPr/>
+        <p:nvPr/>
+      </p:nvGrpSpPr>
+      <p:grpSpPr>
+        <a:xfrm>
+          <a:off x="0" y="0"/>
+          <a:ext cx="0" cy="0"/>
+          <a:chOff x="0" y="0"/>
+          <a:chExt cx="0" cy="0"/>
+        </a:xfrm>
+      </p:grpSpPr>
+      <p:grpSp>
+        <p:nvGrpSpPr>
+          <p:cNvPr id="102" name="群組 101"/>
+          <p:cNvGrpSpPr/>
+          <p:nvPr/>
+        </p:nvGrpSpPr>
+        <p:grpSpPr>
+          <a:xfrm>
+            <a:off x="2590800" y="1619602"/>
+            <a:ext cx="6879010" cy="2261518"/>
+            <a:chOff x="2590800" y="1619602"/>
+            <a:chExt cx="6879010" cy="2261518"/>
+          </a:xfrm>
+        </p:grpSpPr>
+        <p:grpSp>
+          <p:nvGrpSpPr>
+            <p:cNvPr id="76" name="群組 75"/>
+            <p:cNvGrpSpPr/>
+            <p:nvPr/>
+          </p:nvGrpSpPr>
+          <p:grpSpPr>
+            <a:xfrm>
+              <a:off x="2590800" y="1686560"/>
+              <a:ext cx="2987040" cy="2194560"/>
+              <a:chOff x="2590800" y="1686560"/>
+              <a:chExt cx="2987040" cy="2194560"/>
+            </a:xfrm>
+          </p:grpSpPr>
+          <p:sp>
+            <p:nvSpPr>
+              <p:cNvPr id="2" name="橢圓 1"/>
+              <p:cNvSpPr/>
+              <p:nvPr/>
+            </p:nvSpPr>
+            <p:spPr>
+              <a:xfrm>
+                <a:off x="3284964" y="1884795"/>
+                <a:ext cx="138546" cy="138546"/>
+              </a:xfrm>
+              <a:prstGeom prst="ellipse">
+                <a:avLst/>
+              </a:prstGeom>
+              <a:solidFill>
+                <a:srgbClr val="00B0F0"/>
+              </a:solidFill>
+              <a:ln>
+                <a:noFill/>
+              </a:ln>
+            </p:spPr>
+            <p:style>
+              <a:lnRef idx="2">
+                <a:schemeClr val="accent1">
+                  <a:shade val="50000"/>
+                </a:schemeClr>
+              </a:lnRef>
+              <a:fillRef idx="1">
+                <a:schemeClr val="accent1"/>
+              </a:fillRef>
+              <a:effectRef idx="0">
+                <a:schemeClr val="accent1"/>
+              </a:effectRef>
+              <a:fontRef idx="minor">
+                <a:schemeClr val="lt1"/>
+              </a:fontRef>
+            </p:style>
+            <p:txBody>
+              <a:bodyPr rtlCol="0" anchor="ctr"/>
+              <a:lstStyle/>
+              <a:p>
+                <a:pPr algn="ctr"/>
+                <a:endParaRPr lang="zh-TW" altLang="en-US"/>
+              </a:p>
+            </p:txBody>
+          </p:sp>
+          <p:sp>
+            <p:nvSpPr>
+              <p:cNvPr id="23" name="橢圓 22"/>
+              <p:cNvSpPr/>
+              <p:nvPr/>
+            </p:nvSpPr>
+            <p:spPr>
+              <a:xfrm>
+                <a:off x="3274862" y="2120322"/>
+                <a:ext cx="138546" cy="138546"/>
+              </a:xfrm>
+              <a:prstGeom prst="ellipse">
+                <a:avLst/>
+              </a:prstGeom>
+              <a:solidFill>
+                <a:srgbClr val="00B0F0"/>
+              </a:solidFill>
+              <a:ln>
+                <a:noFill/>
+              </a:ln>
+            </p:spPr>
+            <p:style>
+              <a:lnRef idx="2">
+                <a:schemeClr val="accent1">
+                  <a:shade val="50000"/>
+                </a:schemeClr>
+              </a:lnRef>
+              <a:fillRef idx="1">
+                <a:schemeClr val="accent1"/>
+              </a:fillRef>
+              <a:effectRef idx="0">
+                <a:schemeClr val="accent1"/>
+              </a:effectRef>
+              <a:fontRef idx="minor">
+                <a:schemeClr val="lt1"/>
+              </a:fontRef>
+            </p:style>
+            <p:txBody>
+              <a:bodyPr rtlCol="0" anchor="ctr"/>
+              <a:lstStyle/>
+              <a:p>
+                <a:pPr algn="ctr"/>
+                <a:endParaRPr lang="zh-TW" altLang="en-US"/>
+              </a:p>
+            </p:txBody>
+          </p:sp>
+          <p:sp>
+            <p:nvSpPr>
+              <p:cNvPr id="24" name="橢圓 23"/>
+              <p:cNvSpPr/>
+              <p:nvPr/>
+            </p:nvSpPr>
+            <p:spPr>
+              <a:xfrm>
+                <a:off x="3603618" y="1973694"/>
+                <a:ext cx="138546" cy="138546"/>
+              </a:xfrm>
+              <a:prstGeom prst="ellipse">
+                <a:avLst/>
+              </a:prstGeom>
+              <a:solidFill>
+                <a:srgbClr val="00B0F0"/>
+              </a:solidFill>
+              <a:ln>
+                <a:noFill/>
+              </a:ln>
+            </p:spPr>
+            <p:style>
+              <a:lnRef idx="2">
+                <a:schemeClr val="accent1">
+                  <a:shade val="50000"/>
+                </a:schemeClr>
+              </a:lnRef>
+              <a:fillRef idx="1">
+                <a:schemeClr val="accent1"/>
+              </a:fillRef>
+              <a:effectRef idx="0">
+                <a:schemeClr val="accent1"/>
+              </a:effectRef>
+              <a:fontRef idx="minor">
+                <a:schemeClr val="lt1"/>
+              </a:fontRef>
+            </p:style>
+            <p:txBody>
+              <a:bodyPr rtlCol="0" anchor="ctr"/>
+              <a:lstStyle/>
+              <a:p>
+                <a:pPr algn="ctr"/>
+                <a:endParaRPr lang="zh-TW" altLang="en-US"/>
+              </a:p>
+            </p:txBody>
+          </p:sp>
+          <p:sp>
+            <p:nvSpPr>
+              <p:cNvPr id="27" name="橢圓 26"/>
+              <p:cNvSpPr/>
+              <p:nvPr/>
+            </p:nvSpPr>
+            <p:spPr>
+              <a:xfrm>
+                <a:off x="3603618" y="2355849"/>
+                <a:ext cx="138546" cy="138546"/>
+              </a:xfrm>
+              <a:prstGeom prst="ellipse">
+                <a:avLst/>
+              </a:prstGeom>
+              <a:solidFill>
+                <a:srgbClr val="00B0F0"/>
+              </a:solidFill>
+              <a:ln>
+                <a:noFill/>
+              </a:ln>
+            </p:spPr>
+            <p:style>
+              <a:lnRef idx="2">
+                <a:schemeClr val="accent1">
+                  <a:shade val="50000"/>
+                </a:schemeClr>
+              </a:lnRef>
+              <a:fillRef idx="1">
+                <a:schemeClr val="accent1"/>
+              </a:fillRef>
+              <a:effectRef idx="0">
+                <a:schemeClr val="accent1"/>
+              </a:effectRef>
+              <a:fontRef idx="minor">
+                <a:schemeClr val="lt1"/>
+              </a:fontRef>
+            </p:style>
+            <p:txBody>
+              <a:bodyPr rtlCol="0" anchor="ctr"/>
+              <a:lstStyle/>
+              <a:p>
+                <a:pPr algn="ctr"/>
+                <a:endParaRPr lang="zh-TW" altLang="en-US"/>
+              </a:p>
+            </p:txBody>
+          </p:sp>
+          <p:sp>
+            <p:nvSpPr>
+              <p:cNvPr id="29" name="橢圓 28"/>
+              <p:cNvSpPr/>
+              <p:nvPr/>
+            </p:nvSpPr>
+            <p:spPr>
+              <a:xfrm>
+                <a:off x="3742164" y="2200563"/>
+                <a:ext cx="138546" cy="138546"/>
+              </a:xfrm>
+              <a:prstGeom prst="ellipse">
+                <a:avLst/>
+              </a:prstGeom>
+              <a:solidFill>
+                <a:srgbClr val="00B0F0"/>
+              </a:solidFill>
+              <a:ln>
+                <a:noFill/>
+              </a:ln>
+            </p:spPr>
+            <p:style>
+              <a:lnRef idx="2">
+                <a:schemeClr val="accent1">
+                  <a:shade val="50000"/>
+                </a:schemeClr>
+              </a:lnRef>
+              <a:fillRef idx="1">
+                <a:schemeClr val="accent1"/>
+              </a:fillRef>
+              <a:effectRef idx="0">
+                <a:schemeClr val="accent1"/>
+              </a:effectRef>
+              <a:fontRef idx="minor">
+                <a:schemeClr val="lt1"/>
+              </a:fontRef>
+            </p:style>
+            <p:txBody>
+              <a:bodyPr rtlCol="0" anchor="ctr"/>
+              <a:lstStyle/>
+              <a:p>
+                <a:pPr algn="ctr"/>
+                <a:endParaRPr lang="zh-TW" altLang="en-US"/>
+              </a:p>
+            </p:txBody>
+          </p:sp>
+          <p:sp>
+            <p:nvSpPr>
+              <p:cNvPr id="30" name="橢圓 29"/>
+              <p:cNvSpPr/>
+              <p:nvPr/>
+            </p:nvSpPr>
+            <p:spPr>
+              <a:xfrm>
+                <a:off x="3508513" y="2189595"/>
+                <a:ext cx="138546" cy="138546"/>
+              </a:xfrm>
+              <a:prstGeom prst="ellipse">
+                <a:avLst/>
+              </a:prstGeom>
+              <a:solidFill>
+                <a:srgbClr val="00B0F0"/>
+              </a:solidFill>
+              <a:ln>
+                <a:noFill/>
+              </a:ln>
+            </p:spPr>
+            <p:style>
+              <a:lnRef idx="2">
+                <a:schemeClr val="accent1">
+                  <a:shade val="50000"/>
+                </a:schemeClr>
+              </a:lnRef>
+              <a:fillRef idx="1">
+                <a:schemeClr val="accent1"/>
+              </a:fillRef>
+              <a:effectRef idx="0">
+                <a:schemeClr val="accent1"/>
+              </a:effectRef>
+              <a:fontRef idx="minor">
+                <a:schemeClr val="lt1"/>
+              </a:fontRef>
+            </p:style>
+            <p:txBody>
+              <a:bodyPr rtlCol="0" anchor="ctr"/>
+              <a:lstStyle/>
+              <a:p>
+                <a:pPr algn="ctr"/>
+                <a:endParaRPr lang="zh-TW" altLang="en-US"/>
+              </a:p>
+            </p:txBody>
+          </p:sp>
+          <p:sp>
+            <p:nvSpPr>
+              <p:cNvPr id="31" name="橢圓 30"/>
+              <p:cNvSpPr/>
+              <p:nvPr/>
+            </p:nvSpPr>
+            <p:spPr>
+              <a:xfrm>
+                <a:off x="3439240" y="2494395"/>
+                <a:ext cx="138546" cy="138546"/>
+              </a:xfrm>
+              <a:prstGeom prst="ellipse">
+                <a:avLst/>
+              </a:prstGeom>
+              <a:solidFill>
+                <a:srgbClr val="00B0F0"/>
+              </a:solidFill>
+              <a:ln>
+                <a:noFill/>
+              </a:ln>
+            </p:spPr>
+            <p:style>
+              <a:lnRef idx="2">
+                <a:schemeClr val="accent1">
+                  <a:shade val="50000"/>
+                </a:schemeClr>
+              </a:lnRef>
+              <a:fillRef idx="1">
+                <a:schemeClr val="accent1"/>
+              </a:fillRef>
+              <a:effectRef idx="0">
+                <a:schemeClr val="accent1"/>
+              </a:effectRef>
+              <a:fontRef idx="minor">
+                <a:schemeClr val="lt1"/>
+              </a:fontRef>
+            </p:style>
+            <p:txBody>
+              <a:bodyPr rtlCol="0" anchor="ctr"/>
+              <a:lstStyle/>
+              <a:p>
+                <a:pPr algn="ctr"/>
+                <a:endParaRPr lang="zh-TW" altLang="en-US"/>
+              </a:p>
+            </p:txBody>
+          </p:sp>
+          <p:sp>
+            <p:nvSpPr>
+              <p:cNvPr id="32" name="橢圓 31"/>
+              <p:cNvSpPr/>
+              <p:nvPr/>
+            </p:nvSpPr>
+            <p:spPr>
+              <a:xfrm>
+                <a:off x="3811437" y="2494395"/>
+                <a:ext cx="138546" cy="138546"/>
+              </a:xfrm>
+              <a:prstGeom prst="ellipse">
+                <a:avLst/>
+              </a:prstGeom>
+              <a:solidFill>
+                <a:srgbClr val="00B0F0"/>
+              </a:solidFill>
+              <a:ln>
+                <a:noFill/>
+              </a:ln>
+            </p:spPr>
+            <p:style>
+              <a:lnRef idx="2">
+                <a:schemeClr val="accent1">
+                  <a:shade val="50000"/>
+                </a:schemeClr>
+              </a:lnRef>
+              <a:fillRef idx="1">
+                <a:schemeClr val="accent1"/>
+              </a:fillRef>
+              <a:effectRef idx="0">
+                <a:schemeClr val="accent1"/>
+              </a:effectRef>
+              <a:fontRef idx="minor">
+                <a:schemeClr val="lt1"/>
+              </a:fontRef>
+            </p:style>
+            <p:txBody>
+              <a:bodyPr rtlCol="0" anchor="ctr"/>
+              <a:lstStyle/>
+              <a:p>
+                <a:pPr algn="ctr"/>
+                <a:endParaRPr lang="zh-TW" altLang="en-US"/>
+              </a:p>
+            </p:txBody>
+          </p:sp>
+          <p:sp>
+            <p:nvSpPr>
+              <p:cNvPr id="33" name="橢圓 32"/>
+              <p:cNvSpPr/>
+              <p:nvPr/>
+            </p:nvSpPr>
+            <p:spPr>
+              <a:xfrm>
+                <a:off x="4772885" y="2592531"/>
+                <a:ext cx="138546" cy="138546"/>
+              </a:xfrm>
+              <a:prstGeom prst="ellipse">
+                <a:avLst/>
+              </a:prstGeom>
+              <a:solidFill>
+                <a:srgbClr val="00B0F0"/>
+              </a:solidFill>
+              <a:ln>
+                <a:noFill/>
+              </a:ln>
+            </p:spPr>
+            <p:style>
+              <a:lnRef idx="2">
+                <a:schemeClr val="accent1">
+                  <a:shade val="50000"/>
+                </a:schemeClr>
+              </a:lnRef>
+              <a:fillRef idx="1">
+                <a:schemeClr val="accent1"/>
+              </a:fillRef>
+              <a:effectRef idx="0">
+                <a:schemeClr val="accent1"/>
+              </a:effectRef>
+              <a:fontRef idx="minor">
+                <a:schemeClr val="lt1"/>
+              </a:fontRef>
+            </p:style>
+            <p:txBody>
+              <a:bodyPr rtlCol="0" anchor="ctr"/>
+              <a:lstStyle/>
+              <a:p>
+                <a:pPr algn="ctr"/>
+                <a:endParaRPr lang="zh-TW" altLang="en-US"/>
+              </a:p>
+            </p:txBody>
+          </p:sp>
+          <p:sp>
+            <p:nvSpPr>
+              <p:cNvPr id="34" name="橢圓 33"/>
+              <p:cNvSpPr/>
+              <p:nvPr/>
+            </p:nvSpPr>
+            <p:spPr>
+              <a:xfrm>
+                <a:off x="4266761" y="2913207"/>
+                <a:ext cx="138546" cy="138546"/>
+              </a:xfrm>
+              <a:prstGeom prst="ellipse">
+                <a:avLst/>
+              </a:prstGeom>
+              <a:solidFill>
+                <a:srgbClr val="00B0F0"/>
+              </a:solidFill>
+              <a:ln>
+                <a:noFill/>
+              </a:ln>
+            </p:spPr>
+            <p:style>
+              <a:lnRef idx="2">
+                <a:schemeClr val="accent1">
+                  <a:shade val="50000"/>
+                </a:schemeClr>
+              </a:lnRef>
+              <a:fillRef idx="1">
+                <a:schemeClr val="accent1"/>
+              </a:fillRef>
+              <a:effectRef idx="0">
+                <a:schemeClr val="accent1"/>
+              </a:effectRef>
+              <a:fontRef idx="minor">
+                <a:schemeClr val="lt1"/>
+              </a:fontRef>
+            </p:style>
+            <p:txBody>
+              <a:bodyPr rtlCol="0" anchor="ctr"/>
+              <a:lstStyle/>
+              <a:p>
+                <a:pPr algn="ctr"/>
+                <a:endParaRPr lang="zh-TW" altLang="en-US"/>
+              </a:p>
+            </p:txBody>
+          </p:sp>
+          <p:sp>
+            <p:nvSpPr>
+              <p:cNvPr id="35" name="橢圓 34"/>
+              <p:cNvSpPr/>
+              <p:nvPr/>
+            </p:nvSpPr>
+            <p:spPr>
+              <a:xfrm>
+                <a:off x="4480208" y="2661804"/>
+                <a:ext cx="138546" cy="138546"/>
+              </a:xfrm>
+              <a:prstGeom prst="ellipse">
+                <a:avLst/>
+              </a:prstGeom>
+              <a:solidFill>
+                <a:srgbClr val="00B0F0"/>
+              </a:solidFill>
+              <a:ln>
+                <a:noFill/>
+              </a:ln>
+            </p:spPr>
+            <p:style>
+              <a:lnRef idx="2">
+                <a:schemeClr val="accent1">
+                  <a:shade val="50000"/>
+                </a:schemeClr>
+              </a:lnRef>
+              <a:fillRef idx="1">
+                <a:schemeClr val="accent1"/>
+              </a:fillRef>
+              <a:effectRef idx="0">
+                <a:schemeClr val="accent1"/>
+              </a:effectRef>
+              <a:fontRef idx="minor">
+                <a:schemeClr val="lt1"/>
+              </a:fontRef>
+            </p:style>
+            <p:txBody>
+              <a:bodyPr rtlCol="0" anchor="ctr"/>
+              <a:lstStyle/>
+              <a:p>
+                <a:pPr algn="ctr"/>
+                <a:endParaRPr lang="zh-TW" altLang="en-US"/>
+              </a:p>
+            </p:txBody>
+          </p:sp>
+          <p:sp>
+            <p:nvSpPr>
+              <p:cNvPr id="39" name="橢圓 38"/>
+              <p:cNvSpPr/>
+              <p:nvPr/>
+            </p:nvSpPr>
+            <p:spPr>
+              <a:xfrm>
+                <a:off x="4670418" y="3103995"/>
+                <a:ext cx="138546" cy="138546"/>
+              </a:xfrm>
+              <a:prstGeom prst="ellipse">
+                <a:avLst/>
+              </a:prstGeom>
+              <a:solidFill>
+                <a:srgbClr val="00B0F0"/>
+              </a:solidFill>
+              <a:ln>
+                <a:noFill/>
+              </a:ln>
+            </p:spPr>
+            <p:style>
+              <a:lnRef idx="2">
+                <a:schemeClr val="accent1">
+                  <a:shade val="50000"/>
+                </a:schemeClr>
+              </a:lnRef>
+              <a:fillRef idx="1">
+                <a:schemeClr val="accent1"/>
+              </a:fillRef>
+              <a:effectRef idx="0">
+                <a:schemeClr val="accent1"/>
+              </a:effectRef>
+              <a:fontRef idx="minor">
+                <a:schemeClr val="lt1"/>
+              </a:fontRef>
+            </p:style>
+            <p:txBody>
+              <a:bodyPr rtlCol="0" anchor="ctr"/>
+              <a:lstStyle/>
+              <a:p>
+                <a:pPr algn="ctr"/>
+                <a:endParaRPr lang="zh-TW" altLang="en-US"/>
+              </a:p>
+            </p:txBody>
+          </p:sp>
+          <p:sp>
+            <p:nvSpPr>
+              <p:cNvPr id="42" name="橢圓 41"/>
+              <p:cNvSpPr/>
+              <p:nvPr/>
+            </p:nvSpPr>
+            <p:spPr>
+              <a:xfrm>
+                <a:off x="4858033" y="2856201"/>
+                <a:ext cx="138546" cy="138546"/>
+              </a:xfrm>
+              <a:prstGeom prst="ellipse">
+                <a:avLst/>
+              </a:prstGeom>
+              <a:solidFill>
+                <a:srgbClr val="00B0F0"/>
+              </a:solidFill>
+              <a:ln>
+                <a:noFill/>
+              </a:ln>
+            </p:spPr>
+            <p:style>
+              <a:lnRef idx="2">
+                <a:schemeClr val="accent1">
+                  <a:shade val="50000"/>
+                </a:schemeClr>
+              </a:lnRef>
+              <a:fillRef idx="1">
+                <a:schemeClr val="accent1"/>
+              </a:fillRef>
+              <a:effectRef idx="0">
+                <a:schemeClr val="accent1"/>
+              </a:effectRef>
+              <a:fontRef idx="minor">
+                <a:schemeClr val="lt1"/>
+              </a:fontRef>
+            </p:style>
+            <p:txBody>
+              <a:bodyPr rtlCol="0" anchor="ctr"/>
+              <a:lstStyle/>
+              <a:p>
+                <a:pPr algn="ctr"/>
+                <a:endParaRPr lang="zh-TW" altLang="en-US"/>
+              </a:p>
+            </p:txBody>
+          </p:sp>
+          <p:sp>
+            <p:nvSpPr>
+              <p:cNvPr id="43" name="橢圓 42"/>
+              <p:cNvSpPr/>
+              <p:nvPr/>
+            </p:nvSpPr>
+            <p:spPr>
+              <a:xfrm>
+                <a:off x="4575313" y="2937741"/>
+                <a:ext cx="138546" cy="138546"/>
+              </a:xfrm>
+              <a:prstGeom prst="ellipse">
+                <a:avLst/>
+              </a:prstGeom>
+              <a:solidFill>
+                <a:srgbClr val="00B0F0"/>
+              </a:solidFill>
+              <a:ln>
+                <a:noFill/>
+              </a:ln>
+            </p:spPr>
+            <p:style>
+              <a:lnRef idx="2">
+                <a:schemeClr val="accent1">
+                  <a:shade val="50000"/>
+                </a:schemeClr>
+              </a:lnRef>
+              <a:fillRef idx="1">
+                <a:schemeClr val="accent1"/>
+              </a:fillRef>
+              <a:effectRef idx="0">
+                <a:schemeClr val="accent1"/>
+              </a:effectRef>
+              <a:fontRef idx="minor">
+                <a:schemeClr val="lt1"/>
+              </a:fontRef>
+            </p:style>
+            <p:txBody>
+              <a:bodyPr rtlCol="0" anchor="ctr"/>
+              <a:lstStyle/>
+              <a:p>
+                <a:pPr algn="ctr"/>
+                <a:endParaRPr lang="zh-TW" altLang="en-US"/>
+              </a:p>
+            </p:txBody>
+          </p:sp>
+          <p:sp>
+            <p:nvSpPr>
+              <p:cNvPr id="44" name="橢圓 43"/>
+              <p:cNvSpPr/>
+              <p:nvPr/>
+            </p:nvSpPr>
+            <p:spPr>
+              <a:xfrm>
+                <a:off x="4341662" y="3242541"/>
+                <a:ext cx="138546" cy="138546"/>
+              </a:xfrm>
+              <a:prstGeom prst="ellipse">
+                <a:avLst/>
+              </a:prstGeom>
+              <a:solidFill>
+                <a:srgbClr val="00B0F0"/>
+              </a:solidFill>
+              <a:ln>
+                <a:noFill/>
+              </a:ln>
+            </p:spPr>
+            <p:style>
+              <a:lnRef idx="2">
+                <a:schemeClr val="accent1">
+                  <a:shade val="50000"/>
+                </a:schemeClr>
+              </a:lnRef>
+              <a:fillRef idx="1">
+                <a:schemeClr val="accent1"/>
+              </a:fillRef>
+              <a:effectRef idx="0">
+                <a:schemeClr val="accent1"/>
+              </a:effectRef>
+              <a:fontRef idx="minor">
+                <a:schemeClr val="lt1"/>
+              </a:fontRef>
+            </p:style>
+            <p:txBody>
+              <a:bodyPr rtlCol="0" anchor="ctr"/>
+              <a:lstStyle/>
+              <a:p>
+                <a:pPr algn="ctr"/>
+                <a:endParaRPr lang="zh-TW" altLang="en-US"/>
+              </a:p>
+            </p:txBody>
+          </p:sp>
+          <p:sp>
+            <p:nvSpPr>
+              <p:cNvPr id="45" name="橢圓 44"/>
+              <p:cNvSpPr/>
+              <p:nvPr/>
+            </p:nvSpPr>
+            <p:spPr>
+              <a:xfrm>
+                <a:off x="4996579" y="2367396"/>
+                <a:ext cx="138546" cy="138546"/>
+              </a:xfrm>
+              <a:prstGeom prst="ellipse">
+                <a:avLst/>
+              </a:prstGeom>
+              <a:solidFill>
+                <a:srgbClr val="00B0F0"/>
+              </a:solidFill>
+              <a:ln>
+                <a:noFill/>
+              </a:ln>
+            </p:spPr>
+            <p:style>
+              <a:lnRef idx="2">
+                <a:schemeClr val="accent1">
+                  <a:shade val="50000"/>
+                </a:schemeClr>
+              </a:lnRef>
+              <a:fillRef idx="1">
+                <a:schemeClr val="accent1"/>
+              </a:fillRef>
+              <a:effectRef idx="0">
+                <a:schemeClr val="accent1"/>
+              </a:effectRef>
+              <a:fontRef idx="minor">
+                <a:schemeClr val="lt1"/>
+              </a:fontRef>
+            </p:style>
+            <p:txBody>
+              <a:bodyPr rtlCol="0" anchor="ctr"/>
+              <a:lstStyle/>
+              <a:p>
+                <a:pPr algn="ctr"/>
+                <a:endParaRPr lang="zh-TW" altLang="en-US"/>
+              </a:p>
+            </p:txBody>
+          </p:sp>
+          <p:grpSp>
+            <p:nvGrpSpPr>
+              <p:cNvPr id="75" name="群組 74"/>
+              <p:cNvGrpSpPr/>
+              <p:nvPr/>
+            </p:nvGrpSpPr>
+            <p:grpSpPr>
+              <a:xfrm>
+                <a:off x="2590800" y="1686560"/>
+                <a:ext cx="2987040" cy="2194560"/>
+                <a:chOff x="2590800" y="1686560"/>
+                <a:chExt cx="2987040" cy="2194560"/>
+              </a:xfrm>
+            </p:grpSpPr>
+            <p:cxnSp>
+              <p:nvCxnSpPr>
+                <p:cNvPr id="10" name="直線單箭頭接點 9"/>
+                <p:cNvCxnSpPr/>
+                <p:nvPr/>
+              </p:nvCxnSpPr>
+              <p:spPr>
+                <a:xfrm>
+                  <a:off x="2590800" y="3524250"/>
+                  <a:ext cx="2987040" cy="0"/>
+                </a:xfrm>
+                <a:prstGeom prst="straightConnector1">
+                  <a:avLst/>
+                </a:prstGeom>
+                <a:ln w="38100">
+                  <a:solidFill>
+                    <a:schemeClr val="accent4"/>
+                  </a:solidFill>
+                  <a:tailEnd type="triangle"/>
+                </a:ln>
+              </p:spPr>
+              <p:style>
+                <a:lnRef idx="1">
+                  <a:schemeClr val="accent1"/>
+                </a:lnRef>
+                <a:fillRef idx="0">
+                  <a:schemeClr val="accent1"/>
+                </a:fillRef>
+                <a:effectRef idx="0">
+                  <a:schemeClr val="accent1"/>
+                </a:effectRef>
+                <a:fontRef idx="minor">
+                  <a:schemeClr val="tx1"/>
+                </a:fontRef>
+              </p:style>
+            </p:cxnSp>
+            <p:cxnSp>
+              <p:nvCxnSpPr>
+                <p:cNvPr id="68" name="直線單箭頭接點 67"/>
+                <p:cNvCxnSpPr/>
+                <p:nvPr/>
+              </p:nvCxnSpPr>
+              <p:spPr>
+                <a:xfrm flipV="1">
+                  <a:off x="2855470" y="1686560"/>
+                  <a:ext cx="0" cy="2194560"/>
+                </a:xfrm>
+                <a:prstGeom prst="straightConnector1">
+                  <a:avLst/>
+                </a:prstGeom>
+                <a:ln w="38100">
+                  <a:solidFill>
+                    <a:schemeClr val="accent4"/>
+                  </a:solidFill>
+                  <a:tailEnd type="triangle"/>
+                </a:ln>
+              </p:spPr>
+              <p:style>
+                <a:lnRef idx="1">
+                  <a:schemeClr val="accent1"/>
+                </a:lnRef>
+                <a:fillRef idx="0">
+                  <a:schemeClr val="accent1"/>
+                </a:fillRef>
+                <a:effectRef idx="0">
+                  <a:schemeClr val="accent1"/>
+                </a:effectRef>
+                <a:fontRef idx="minor">
+                  <a:schemeClr val="tx1"/>
+                </a:fontRef>
+              </p:style>
+            </p:cxnSp>
+          </p:grpSp>
+        </p:grpSp>
+        <p:grpSp>
+          <p:nvGrpSpPr>
+            <p:cNvPr id="77" name="群組 76"/>
+            <p:cNvGrpSpPr/>
+            <p:nvPr/>
+          </p:nvGrpSpPr>
+          <p:grpSpPr>
+            <a:xfrm>
+              <a:off x="6482770" y="1619602"/>
+              <a:ext cx="2987040" cy="2261518"/>
+              <a:chOff x="6101509" y="3473147"/>
+              <a:chExt cx="2987040" cy="2261518"/>
+            </a:xfrm>
+          </p:grpSpPr>
+          <p:sp>
+            <p:nvSpPr>
+              <p:cNvPr id="5" name="橢圓 4"/>
+              <p:cNvSpPr/>
+              <p:nvPr/>
+            </p:nvSpPr>
+            <p:spPr>
+              <a:xfrm rot="19354913">
+                <a:off x="6679362" y="3473147"/>
+                <a:ext cx="857999" cy="1321406"/>
+              </a:xfrm>
+              <a:prstGeom prst="ellipse">
+                <a:avLst/>
+              </a:prstGeom>
+              <a:noFill/>
+              <a:ln w="25400">
+                <a:solidFill>
+                  <a:srgbClr val="92D050"/>
+                </a:solidFill>
+              </a:ln>
+            </p:spPr>
+            <p:style>
+              <a:lnRef idx="2">
+                <a:schemeClr val="accent1">
+                  <a:shade val="50000"/>
+                </a:schemeClr>
+              </a:lnRef>
+              <a:fillRef idx="1">
+                <a:schemeClr val="accent1"/>
+              </a:fillRef>
+              <a:effectRef idx="0">
+                <a:schemeClr val="accent1"/>
+              </a:effectRef>
+              <a:fontRef idx="minor">
+                <a:schemeClr val="lt1"/>
+              </a:fontRef>
+            </p:style>
+            <p:txBody>
+              <a:bodyPr rtlCol="0" anchor="ctr"/>
+              <a:lstStyle/>
+              <a:p>
+                <a:pPr algn="ctr"/>
+                <a:endParaRPr lang="zh-TW" altLang="en-US"/>
+              </a:p>
+            </p:txBody>
+          </p:sp>
+          <p:sp>
+            <p:nvSpPr>
+              <p:cNvPr id="65" name="橢圓 64"/>
+              <p:cNvSpPr/>
+              <p:nvPr/>
+            </p:nvSpPr>
+            <p:spPr>
+              <a:xfrm rot="2414097">
+                <a:off x="7795618" y="3991547"/>
+                <a:ext cx="857999" cy="1483264"/>
+              </a:xfrm>
+              <a:prstGeom prst="ellipse">
+                <a:avLst/>
+              </a:prstGeom>
+              <a:noFill/>
+              <a:ln w="25400">
+                <a:solidFill>
+                  <a:srgbClr val="EC4488"/>
+                </a:solidFill>
+              </a:ln>
+            </p:spPr>
+            <p:style>
+              <a:lnRef idx="2">
+                <a:schemeClr val="accent1">
+                  <a:shade val="50000"/>
+                </a:schemeClr>
+              </a:lnRef>
+              <a:fillRef idx="1">
+                <a:schemeClr val="accent1"/>
+              </a:fillRef>
+              <a:effectRef idx="0">
+                <a:schemeClr val="accent1"/>
+              </a:effectRef>
+              <a:fontRef idx="minor">
+                <a:schemeClr val="lt1"/>
+              </a:fontRef>
+            </p:style>
+            <p:txBody>
+              <a:bodyPr rtlCol="0" anchor="ctr"/>
+              <a:lstStyle/>
+              <a:p>
+                <a:pPr algn="ctr"/>
+                <a:endParaRPr lang="zh-TW" altLang="en-US"/>
+              </a:p>
+            </p:txBody>
+          </p:sp>
+          <p:sp>
+            <p:nvSpPr>
+              <p:cNvPr id="80" name="橢圓 79"/>
+              <p:cNvSpPr/>
+              <p:nvPr/>
+            </p:nvSpPr>
+            <p:spPr>
+              <a:xfrm>
+                <a:off x="6795673" y="3738340"/>
+                <a:ext cx="138546" cy="138546"/>
+              </a:xfrm>
+              <a:prstGeom prst="ellipse">
+                <a:avLst/>
+              </a:prstGeom>
+              <a:solidFill>
+                <a:srgbClr val="92D050"/>
+              </a:solidFill>
+              <a:ln>
+                <a:noFill/>
+              </a:ln>
+            </p:spPr>
+            <p:style>
+              <a:lnRef idx="2">
+                <a:schemeClr val="accent1">
+                  <a:shade val="50000"/>
+                </a:schemeClr>
+              </a:lnRef>
+              <a:fillRef idx="1">
+                <a:schemeClr val="accent1"/>
+              </a:fillRef>
+              <a:effectRef idx="0">
+                <a:schemeClr val="accent1"/>
+              </a:effectRef>
+              <a:fontRef idx="minor">
+                <a:schemeClr val="lt1"/>
+              </a:fontRef>
+            </p:style>
+            <p:txBody>
+              <a:bodyPr rtlCol="0" anchor="ctr"/>
+              <a:lstStyle/>
+              <a:p>
+                <a:pPr algn="ctr"/>
+                <a:endParaRPr lang="zh-TW" altLang="en-US"/>
+              </a:p>
+            </p:txBody>
+          </p:sp>
+          <p:sp>
+            <p:nvSpPr>
+              <p:cNvPr id="81" name="橢圓 80"/>
+              <p:cNvSpPr/>
+              <p:nvPr/>
+            </p:nvSpPr>
+            <p:spPr>
+              <a:xfrm>
+                <a:off x="6785571" y="3973867"/>
+                <a:ext cx="138546" cy="138546"/>
+              </a:xfrm>
+              <a:prstGeom prst="ellipse">
+                <a:avLst/>
+              </a:prstGeom>
+              <a:solidFill>
+                <a:srgbClr val="92D050"/>
+              </a:solidFill>
+              <a:ln>
+                <a:noFill/>
+              </a:ln>
+            </p:spPr>
+            <p:style>
+              <a:lnRef idx="2">
+                <a:schemeClr val="accent1">
+                  <a:shade val="50000"/>
+                </a:schemeClr>
+              </a:lnRef>
+              <a:fillRef idx="1">
+                <a:schemeClr val="accent1"/>
+              </a:fillRef>
+              <a:effectRef idx="0">
+                <a:schemeClr val="accent1"/>
+              </a:effectRef>
+              <a:fontRef idx="minor">
+                <a:schemeClr val="lt1"/>
+              </a:fontRef>
+            </p:style>
+            <p:txBody>
+              <a:bodyPr rtlCol="0" anchor="ctr"/>
+              <a:lstStyle/>
+              <a:p>
+                <a:pPr algn="ctr"/>
+                <a:endParaRPr lang="zh-TW" altLang="en-US"/>
+              </a:p>
+            </p:txBody>
+          </p:sp>
+          <p:sp>
+            <p:nvSpPr>
+              <p:cNvPr id="82" name="橢圓 81"/>
+              <p:cNvSpPr/>
+              <p:nvPr/>
+            </p:nvSpPr>
+            <p:spPr>
+              <a:xfrm>
+                <a:off x="7114327" y="3827239"/>
+                <a:ext cx="138546" cy="138546"/>
+              </a:xfrm>
+              <a:prstGeom prst="ellipse">
+                <a:avLst/>
+              </a:prstGeom>
+              <a:solidFill>
+                <a:srgbClr val="92D050"/>
+              </a:solidFill>
+              <a:ln>
+                <a:noFill/>
+              </a:ln>
+            </p:spPr>
+            <p:style>
+              <a:lnRef idx="2">
+                <a:schemeClr val="accent1">
+                  <a:shade val="50000"/>
+                </a:schemeClr>
+              </a:lnRef>
+              <a:fillRef idx="1">
+                <a:schemeClr val="accent1"/>
+              </a:fillRef>
+              <a:effectRef idx="0">
+                <a:schemeClr val="accent1"/>
+              </a:effectRef>
+              <a:fontRef idx="minor">
+                <a:schemeClr val="lt1"/>
+              </a:fontRef>
+            </p:style>
+            <p:txBody>
+              <a:bodyPr rtlCol="0" anchor="ctr"/>
+              <a:lstStyle/>
+              <a:p>
+                <a:pPr algn="ctr"/>
+                <a:endParaRPr lang="zh-TW" altLang="en-US"/>
+              </a:p>
+            </p:txBody>
+          </p:sp>
+          <p:sp>
+            <p:nvSpPr>
+              <p:cNvPr id="85" name="橢圓 84"/>
+              <p:cNvSpPr/>
+              <p:nvPr/>
+            </p:nvSpPr>
+            <p:spPr>
+              <a:xfrm>
+                <a:off x="7114327" y="4209394"/>
+                <a:ext cx="138546" cy="138546"/>
+              </a:xfrm>
+              <a:prstGeom prst="ellipse">
+                <a:avLst/>
+              </a:prstGeom>
+              <a:solidFill>
+                <a:srgbClr val="92D050"/>
+              </a:solidFill>
+              <a:ln>
+                <a:noFill/>
+              </a:ln>
+            </p:spPr>
+            <p:style>
+              <a:lnRef idx="2">
+                <a:schemeClr val="accent1">
+                  <a:shade val="50000"/>
+                </a:schemeClr>
+              </a:lnRef>
+              <a:fillRef idx="1">
+                <a:schemeClr val="accent1"/>
+              </a:fillRef>
+              <a:effectRef idx="0">
+                <a:schemeClr val="accent1"/>
+              </a:effectRef>
+              <a:fontRef idx="minor">
+                <a:schemeClr val="lt1"/>
+              </a:fontRef>
+            </p:style>
+            <p:txBody>
+              <a:bodyPr rtlCol="0" anchor="ctr"/>
+              <a:lstStyle/>
+              <a:p>
+                <a:pPr algn="ctr"/>
+                <a:endParaRPr lang="zh-TW" altLang="en-US"/>
+              </a:p>
+            </p:txBody>
+          </p:sp>
+          <p:sp>
+            <p:nvSpPr>
+              <p:cNvPr id="86" name="橢圓 85"/>
+              <p:cNvSpPr/>
+              <p:nvPr/>
+            </p:nvSpPr>
+            <p:spPr>
+              <a:xfrm>
+                <a:off x="7252873" y="4054108"/>
+                <a:ext cx="138546" cy="138546"/>
+              </a:xfrm>
+              <a:prstGeom prst="ellipse">
+                <a:avLst/>
+              </a:prstGeom>
+              <a:solidFill>
+                <a:srgbClr val="92D050"/>
+              </a:solidFill>
+              <a:ln>
+                <a:noFill/>
+              </a:ln>
+            </p:spPr>
+            <p:style>
+              <a:lnRef idx="2">
+                <a:schemeClr val="accent1">
+                  <a:shade val="50000"/>
+                </a:schemeClr>
+              </a:lnRef>
+              <a:fillRef idx="1">
+                <a:schemeClr val="accent1"/>
+              </a:fillRef>
+              <a:effectRef idx="0">
+                <a:schemeClr val="accent1"/>
+              </a:effectRef>
+              <a:fontRef idx="minor">
+                <a:schemeClr val="lt1"/>
+              </a:fontRef>
+            </p:style>
+            <p:txBody>
+              <a:bodyPr rtlCol="0" anchor="ctr"/>
+              <a:lstStyle/>
+              <a:p>
+                <a:pPr algn="ctr"/>
+                <a:endParaRPr lang="zh-TW" altLang="en-US"/>
+              </a:p>
+            </p:txBody>
+          </p:sp>
+          <p:sp>
+            <p:nvSpPr>
+              <p:cNvPr id="87" name="橢圓 86"/>
+              <p:cNvSpPr/>
+              <p:nvPr/>
+            </p:nvSpPr>
+            <p:spPr>
+              <a:xfrm>
+                <a:off x="7019222" y="4043140"/>
+                <a:ext cx="138546" cy="138546"/>
+              </a:xfrm>
+              <a:prstGeom prst="ellipse">
+                <a:avLst/>
+              </a:prstGeom>
+              <a:solidFill>
+                <a:srgbClr val="92D050"/>
+              </a:solidFill>
+              <a:ln>
+                <a:noFill/>
+              </a:ln>
+            </p:spPr>
+            <p:style>
+              <a:lnRef idx="2">
+                <a:schemeClr val="accent1">
+                  <a:shade val="50000"/>
+                </a:schemeClr>
+              </a:lnRef>
+              <a:fillRef idx="1">
+                <a:schemeClr val="accent1"/>
+              </a:fillRef>
+              <a:effectRef idx="0">
+                <a:schemeClr val="accent1"/>
+              </a:effectRef>
+              <a:fontRef idx="minor">
+                <a:schemeClr val="lt1"/>
+              </a:fontRef>
+            </p:style>
+            <p:txBody>
+              <a:bodyPr rtlCol="0" anchor="ctr"/>
+              <a:lstStyle/>
+              <a:p>
+                <a:pPr algn="ctr"/>
+                <a:endParaRPr lang="zh-TW" altLang="en-US"/>
+              </a:p>
+            </p:txBody>
+          </p:sp>
+          <p:sp>
+            <p:nvSpPr>
+              <p:cNvPr id="88" name="橢圓 87"/>
+              <p:cNvSpPr/>
+              <p:nvPr/>
+            </p:nvSpPr>
+            <p:spPr>
+              <a:xfrm>
+                <a:off x="6949949" y="4347940"/>
+                <a:ext cx="138546" cy="138546"/>
+              </a:xfrm>
+              <a:prstGeom prst="ellipse">
+                <a:avLst/>
+              </a:prstGeom>
+              <a:solidFill>
+                <a:srgbClr val="92D050"/>
+              </a:solidFill>
+              <a:ln>
+                <a:noFill/>
+              </a:ln>
+            </p:spPr>
+            <p:style>
+              <a:lnRef idx="2">
+                <a:schemeClr val="accent1">
+                  <a:shade val="50000"/>
+                </a:schemeClr>
+              </a:lnRef>
+              <a:fillRef idx="1">
+                <a:schemeClr val="accent1"/>
+              </a:fillRef>
+              <a:effectRef idx="0">
+                <a:schemeClr val="accent1"/>
+              </a:effectRef>
+              <a:fontRef idx="minor">
+                <a:schemeClr val="lt1"/>
+              </a:fontRef>
+            </p:style>
+            <p:txBody>
+              <a:bodyPr rtlCol="0" anchor="ctr"/>
+              <a:lstStyle/>
+              <a:p>
+                <a:pPr algn="ctr"/>
+                <a:endParaRPr lang="zh-TW" altLang="en-US"/>
+              </a:p>
+            </p:txBody>
+          </p:sp>
+          <p:sp>
+            <p:nvSpPr>
+              <p:cNvPr id="89" name="橢圓 88"/>
+              <p:cNvSpPr/>
+              <p:nvPr/>
+            </p:nvSpPr>
+            <p:spPr>
+              <a:xfrm>
+                <a:off x="7322146" y="4347940"/>
+                <a:ext cx="138546" cy="138546"/>
+              </a:xfrm>
+              <a:prstGeom prst="ellipse">
+                <a:avLst/>
+              </a:prstGeom>
+              <a:solidFill>
+                <a:srgbClr val="92D050"/>
+              </a:solidFill>
+              <a:ln>
+                <a:noFill/>
+              </a:ln>
+            </p:spPr>
+            <p:style>
+              <a:lnRef idx="2">
+                <a:schemeClr val="accent1">
+                  <a:shade val="50000"/>
+                </a:schemeClr>
+              </a:lnRef>
+              <a:fillRef idx="1">
+                <a:schemeClr val="accent1"/>
+              </a:fillRef>
+              <a:effectRef idx="0">
+                <a:schemeClr val="accent1"/>
+              </a:effectRef>
+              <a:fontRef idx="minor">
+                <a:schemeClr val="lt1"/>
+              </a:fontRef>
+            </p:style>
+            <p:txBody>
+              <a:bodyPr rtlCol="0" anchor="ctr"/>
+              <a:lstStyle/>
+              <a:p>
+                <a:pPr algn="ctr"/>
+                <a:endParaRPr lang="zh-TW" altLang="en-US"/>
+              </a:p>
+            </p:txBody>
+          </p:sp>
+          <p:sp>
+            <p:nvSpPr>
+              <p:cNvPr id="90" name="橢圓 89"/>
+              <p:cNvSpPr/>
+              <p:nvPr/>
+            </p:nvSpPr>
+            <p:spPr>
+              <a:xfrm>
+                <a:off x="8283594" y="4446076"/>
+                <a:ext cx="138546" cy="138546"/>
+              </a:xfrm>
+              <a:prstGeom prst="ellipse">
+                <a:avLst/>
+              </a:prstGeom>
+              <a:solidFill>
+                <a:srgbClr val="EC4488"/>
+              </a:solidFill>
+              <a:ln>
+                <a:noFill/>
+              </a:ln>
+            </p:spPr>
+            <p:style>
+              <a:lnRef idx="2">
+                <a:schemeClr val="accent1">
+                  <a:shade val="50000"/>
+                </a:schemeClr>
+              </a:lnRef>
+              <a:fillRef idx="1">
+                <a:schemeClr val="accent1"/>
+              </a:fillRef>
+              <a:effectRef idx="0">
+                <a:schemeClr val="accent1"/>
+              </a:effectRef>
+              <a:fontRef idx="minor">
+                <a:schemeClr val="lt1"/>
+              </a:fontRef>
+            </p:style>
+            <p:txBody>
+              <a:bodyPr rtlCol="0" anchor="ctr"/>
+              <a:lstStyle/>
+              <a:p>
+                <a:pPr algn="ctr"/>
+                <a:endParaRPr lang="zh-TW" altLang="en-US"/>
+              </a:p>
+            </p:txBody>
+          </p:sp>
+          <p:sp>
+            <p:nvSpPr>
+              <p:cNvPr id="91" name="橢圓 90"/>
+              <p:cNvSpPr/>
+              <p:nvPr/>
+            </p:nvSpPr>
+            <p:spPr>
+              <a:xfrm>
+                <a:off x="7777470" y="4766752"/>
+                <a:ext cx="138546" cy="138546"/>
+              </a:xfrm>
+              <a:prstGeom prst="ellipse">
+                <a:avLst/>
+              </a:prstGeom>
+              <a:solidFill>
+                <a:srgbClr val="EC4488"/>
+              </a:solidFill>
+              <a:ln>
+                <a:noFill/>
+              </a:ln>
+            </p:spPr>
+            <p:style>
+              <a:lnRef idx="2">
+                <a:schemeClr val="accent1">
+                  <a:shade val="50000"/>
+                </a:schemeClr>
+              </a:lnRef>
+              <a:fillRef idx="1">
+                <a:schemeClr val="accent1"/>
+              </a:fillRef>
+              <a:effectRef idx="0">
+                <a:schemeClr val="accent1"/>
+              </a:effectRef>
+              <a:fontRef idx="minor">
+                <a:schemeClr val="lt1"/>
+              </a:fontRef>
+            </p:style>
+            <p:txBody>
+              <a:bodyPr rtlCol="0" anchor="ctr"/>
+              <a:lstStyle/>
+              <a:p>
+                <a:pPr algn="ctr"/>
+                <a:endParaRPr lang="zh-TW" altLang="en-US"/>
+              </a:p>
+            </p:txBody>
+          </p:sp>
+          <p:sp>
+            <p:nvSpPr>
+              <p:cNvPr id="92" name="橢圓 91"/>
+              <p:cNvSpPr/>
+              <p:nvPr/>
+            </p:nvSpPr>
+            <p:spPr>
+              <a:xfrm>
+                <a:off x="7990917" y="4515349"/>
+                <a:ext cx="138546" cy="138546"/>
+              </a:xfrm>
+              <a:prstGeom prst="ellipse">
+                <a:avLst/>
+              </a:prstGeom>
+              <a:solidFill>
+                <a:srgbClr val="EC4488"/>
+              </a:solidFill>
+              <a:ln>
+                <a:noFill/>
+              </a:ln>
+            </p:spPr>
+            <p:style>
+              <a:lnRef idx="2">
+                <a:schemeClr val="accent1">
+                  <a:shade val="50000"/>
+                </a:schemeClr>
+              </a:lnRef>
+              <a:fillRef idx="1">
+                <a:schemeClr val="accent1"/>
+              </a:fillRef>
+              <a:effectRef idx="0">
+                <a:schemeClr val="accent1"/>
+              </a:effectRef>
+              <a:fontRef idx="minor">
+                <a:schemeClr val="lt1"/>
+              </a:fontRef>
+            </p:style>
+            <p:txBody>
+              <a:bodyPr rtlCol="0" anchor="ctr"/>
+              <a:lstStyle/>
+              <a:p>
+                <a:pPr algn="ctr"/>
+                <a:endParaRPr lang="zh-TW" altLang="en-US"/>
+              </a:p>
+            </p:txBody>
+          </p:sp>
+          <p:sp>
+            <p:nvSpPr>
+              <p:cNvPr id="93" name="橢圓 92"/>
+              <p:cNvSpPr/>
+              <p:nvPr/>
+            </p:nvSpPr>
+            <p:spPr>
+              <a:xfrm>
+                <a:off x="8181127" y="4957540"/>
+                <a:ext cx="138546" cy="138546"/>
+              </a:xfrm>
+              <a:prstGeom prst="ellipse">
+                <a:avLst/>
+              </a:prstGeom>
+              <a:solidFill>
+                <a:srgbClr val="EC4488"/>
+              </a:solidFill>
+              <a:ln>
+                <a:noFill/>
+              </a:ln>
+            </p:spPr>
+            <p:style>
+              <a:lnRef idx="2">
+                <a:schemeClr val="accent1">
+                  <a:shade val="50000"/>
+                </a:schemeClr>
+              </a:lnRef>
+              <a:fillRef idx="1">
+                <a:schemeClr val="accent1"/>
+              </a:fillRef>
+              <a:effectRef idx="0">
+                <a:schemeClr val="accent1"/>
+              </a:effectRef>
+              <a:fontRef idx="minor">
+                <a:schemeClr val="lt1"/>
+              </a:fontRef>
+            </p:style>
+            <p:txBody>
+              <a:bodyPr rtlCol="0" anchor="ctr"/>
+              <a:lstStyle/>
+              <a:p>
+                <a:pPr algn="ctr"/>
+                <a:endParaRPr lang="zh-TW" altLang="en-US"/>
+              </a:p>
+            </p:txBody>
+          </p:sp>
+          <p:sp>
+            <p:nvSpPr>
+              <p:cNvPr id="94" name="橢圓 93"/>
+              <p:cNvSpPr/>
+              <p:nvPr/>
+            </p:nvSpPr>
+            <p:spPr>
+              <a:xfrm>
+                <a:off x="8368742" y="4709746"/>
+                <a:ext cx="138546" cy="138546"/>
+              </a:xfrm>
+              <a:prstGeom prst="ellipse">
+                <a:avLst/>
+              </a:prstGeom>
+              <a:solidFill>
+                <a:srgbClr val="EC4488"/>
+              </a:solidFill>
+              <a:ln>
+                <a:noFill/>
+              </a:ln>
+            </p:spPr>
+            <p:style>
+              <a:lnRef idx="2">
+                <a:schemeClr val="accent1">
+                  <a:shade val="50000"/>
+                </a:schemeClr>
+              </a:lnRef>
+              <a:fillRef idx="1">
+                <a:schemeClr val="accent1"/>
+              </a:fillRef>
+              <a:effectRef idx="0">
+                <a:schemeClr val="accent1"/>
+              </a:effectRef>
+              <a:fontRef idx="minor">
+                <a:schemeClr val="lt1"/>
+              </a:fontRef>
+            </p:style>
+            <p:txBody>
+              <a:bodyPr rtlCol="0" anchor="ctr"/>
+              <a:lstStyle/>
+              <a:p>
+                <a:pPr algn="ctr"/>
+                <a:endParaRPr lang="zh-TW" altLang="en-US"/>
+              </a:p>
+            </p:txBody>
+          </p:sp>
+          <p:sp>
+            <p:nvSpPr>
+              <p:cNvPr id="95" name="橢圓 94"/>
+              <p:cNvSpPr/>
+              <p:nvPr/>
+            </p:nvSpPr>
+            <p:spPr>
+              <a:xfrm>
+                <a:off x="8086022" y="4791286"/>
+                <a:ext cx="138546" cy="138546"/>
+              </a:xfrm>
+              <a:prstGeom prst="ellipse">
+                <a:avLst/>
+              </a:prstGeom>
+              <a:solidFill>
+                <a:srgbClr val="EC4488"/>
+              </a:solidFill>
+              <a:ln>
+                <a:noFill/>
+              </a:ln>
+            </p:spPr>
+            <p:style>
+              <a:lnRef idx="2">
+                <a:schemeClr val="accent1">
+                  <a:shade val="50000"/>
+                </a:schemeClr>
+              </a:lnRef>
+              <a:fillRef idx="1">
+                <a:schemeClr val="accent1"/>
+              </a:fillRef>
+              <a:effectRef idx="0">
+                <a:schemeClr val="accent1"/>
+              </a:effectRef>
+              <a:fontRef idx="minor">
+                <a:schemeClr val="lt1"/>
+              </a:fontRef>
+            </p:style>
+            <p:txBody>
+              <a:bodyPr rtlCol="0" anchor="ctr"/>
+              <a:lstStyle/>
+              <a:p>
+                <a:pPr algn="ctr"/>
+                <a:endParaRPr lang="zh-TW" altLang="en-US"/>
+              </a:p>
+            </p:txBody>
+          </p:sp>
+          <p:sp>
+            <p:nvSpPr>
+              <p:cNvPr id="96" name="橢圓 95"/>
+              <p:cNvSpPr/>
+              <p:nvPr/>
+            </p:nvSpPr>
+            <p:spPr>
+              <a:xfrm>
+                <a:off x="7852371" y="5096086"/>
+                <a:ext cx="138546" cy="138546"/>
+              </a:xfrm>
+              <a:prstGeom prst="ellipse">
+                <a:avLst/>
+              </a:prstGeom>
+              <a:solidFill>
+                <a:srgbClr val="EC4488"/>
+              </a:solidFill>
+              <a:ln>
+                <a:noFill/>
+              </a:ln>
+            </p:spPr>
+            <p:style>
+              <a:lnRef idx="2">
+                <a:schemeClr val="accent1">
+                  <a:shade val="50000"/>
+                </a:schemeClr>
+              </a:lnRef>
+              <a:fillRef idx="1">
+                <a:schemeClr val="accent1"/>
+              </a:fillRef>
+              <a:effectRef idx="0">
+                <a:schemeClr val="accent1"/>
+              </a:effectRef>
+              <a:fontRef idx="minor">
+                <a:schemeClr val="lt1"/>
+              </a:fontRef>
+            </p:style>
+            <p:txBody>
+              <a:bodyPr rtlCol="0" anchor="ctr"/>
+              <a:lstStyle/>
+              <a:p>
+                <a:pPr algn="ctr"/>
+                <a:endParaRPr lang="zh-TW" altLang="en-US"/>
+              </a:p>
+            </p:txBody>
+          </p:sp>
+          <p:sp>
+            <p:nvSpPr>
+              <p:cNvPr id="97" name="橢圓 96"/>
+              <p:cNvSpPr/>
+              <p:nvPr/>
+            </p:nvSpPr>
+            <p:spPr>
+              <a:xfrm>
+                <a:off x="8507288" y="4220941"/>
+                <a:ext cx="138546" cy="138546"/>
+              </a:xfrm>
+              <a:prstGeom prst="ellipse">
+                <a:avLst/>
+              </a:prstGeom>
+              <a:solidFill>
+                <a:srgbClr val="EC4488"/>
+              </a:solidFill>
+              <a:ln>
+                <a:noFill/>
+              </a:ln>
+            </p:spPr>
+            <p:style>
+              <a:lnRef idx="2">
+                <a:schemeClr val="accent1">
+                  <a:shade val="50000"/>
+                </a:schemeClr>
+              </a:lnRef>
+              <a:fillRef idx="1">
+                <a:schemeClr val="accent1"/>
+              </a:fillRef>
+              <a:effectRef idx="0">
+                <a:schemeClr val="accent1"/>
+              </a:effectRef>
+              <a:fontRef idx="minor">
+                <a:schemeClr val="lt1"/>
+              </a:fontRef>
+            </p:style>
+            <p:txBody>
+              <a:bodyPr rtlCol="0" anchor="ctr"/>
+              <a:lstStyle/>
+              <a:p>
+                <a:pPr algn="ctr"/>
+                <a:endParaRPr lang="zh-TW" altLang="en-US"/>
+              </a:p>
+            </p:txBody>
+          </p:sp>
+          <p:grpSp>
+            <p:nvGrpSpPr>
+              <p:cNvPr id="98" name="群組 97"/>
+              <p:cNvGrpSpPr/>
+              <p:nvPr/>
+            </p:nvGrpSpPr>
+            <p:grpSpPr>
+              <a:xfrm>
+                <a:off x="6101509" y="3540105"/>
+                <a:ext cx="2987040" cy="2194560"/>
+                <a:chOff x="2590800" y="1686560"/>
+                <a:chExt cx="2987040" cy="2194560"/>
+              </a:xfrm>
+            </p:grpSpPr>
+            <p:cxnSp>
+              <p:nvCxnSpPr>
+                <p:cNvPr id="99" name="直線單箭頭接點 98"/>
+                <p:cNvCxnSpPr/>
+                <p:nvPr/>
+              </p:nvCxnSpPr>
+              <p:spPr>
+                <a:xfrm>
+                  <a:off x="2590800" y="3524250"/>
+                  <a:ext cx="2987040" cy="0"/>
+                </a:xfrm>
+                <a:prstGeom prst="straightConnector1">
+                  <a:avLst/>
+                </a:prstGeom>
+                <a:ln w="38100">
+                  <a:solidFill>
+                    <a:schemeClr val="accent4"/>
+                  </a:solidFill>
+                  <a:tailEnd type="triangle"/>
+                </a:ln>
+              </p:spPr>
+              <p:style>
+                <a:lnRef idx="1">
+                  <a:schemeClr val="accent1"/>
+                </a:lnRef>
+                <a:fillRef idx="0">
+                  <a:schemeClr val="accent1"/>
+                </a:fillRef>
+                <a:effectRef idx="0">
+                  <a:schemeClr val="accent1"/>
+                </a:effectRef>
+                <a:fontRef idx="minor">
+                  <a:schemeClr val="tx1"/>
+                </a:fontRef>
+              </p:style>
+            </p:cxnSp>
+            <p:cxnSp>
+              <p:nvCxnSpPr>
+                <p:cNvPr id="100" name="直線單箭頭接點 99"/>
+                <p:cNvCxnSpPr/>
+                <p:nvPr/>
+              </p:nvCxnSpPr>
+              <p:spPr>
+                <a:xfrm flipV="1">
+                  <a:off x="2855470" y="1686560"/>
+                  <a:ext cx="0" cy="2194560"/>
+                </a:xfrm>
+                <a:prstGeom prst="straightConnector1">
+                  <a:avLst/>
+                </a:prstGeom>
+                <a:ln w="38100">
+                  <a:solidFill>
+                    <a:schemeClr val="accent4"/>
+                  </a:solidFill>
+                  <a:tailEnd type="triangle"/>
+                </a:ln>
+              </p:spPr>
+              <p:style>
+                <a:lnRef idx="1">
+                  <a:schemeClr val="accent1"/>
+                </a:lnRef>
+                <a:fillRef idx="0">
+                  <a:schemeClr val="accent1"/>
+                </a:fillRef>
+                <a:effectRef idx="0">
+                  <a:schemeClr val="accent1"/>
+                </a:effectRef>
+                <a:fontRef idx="minor">
+                  <a:schemeClr val="tx1"/>
+                </a:fontRef>
+              </p:style>
+            </p:cxnSp>
+          </p:grpSp>
+        </p:grpSp>
+        <p:cxnSp>
+          <p:nvCxnSpPr>
+            <p:cNvPr id="101" name="直線單箭頭接點 100"/>
+            <p:cNvCxnSpPr/>
+            <p:nvPr/>
+          </p:nvCxnSpPr>
+          <p:spPr>
+            <a:xfrm>
+              <a:off x="5505450" y="2770476"/>
+              <a:ext cx="1053922" cy="0"/>
+            </a:xfrm>
+            <a:prstGeom prst="straightConnector1">
+              <a:avLst/>
+            </a:prstGeom>
+            <a:ln w="254000">
+              <a:solidFill>
+                <a:schemeClr val="accent2"/>
+              </a:solidFill>
+              <a:tailEnd type="triangle" w="med" len="sm"/>
+            </a:ln>
+          </p:spPr>
+          <p:style>
+            <a:lnRef idx="1">
+              <a:schemeClr val="accent1"/>
+            </a:lnRef>
+            <a:fillRef idx="0">
+              <a:schemeClr val="accent1"/>
+            </a:fillRef>
+            <a:effectRef idx="0">
+              <a:schemeClr val="accent1"/>
+            </a:effectRef>
+            <a:fontRef idx="minor">
+              <a:schemeClr val="tx1"/>
+            </a:fontRef>
+          </p:style>
+        </p:cxnSp>
+      </p:grpSp>
+    </p:spTree>
+    <p:extLst>
+      <p:ext uri="{BB962C8B-B14F-4D97-AF65-F5344CB8AC3E}">
+        <p14:creationId xmlns:p14="http://schemas.microsoft.com/office/powerpoint/2010/main" val="3846456966"/>
+      </p:ext>
+    </p:extLst>
+  </p:cSld>
+  <p:clrMapOvr>
+    <a:masterClrMapping/>
+  </p:clrMapOvr>
+</p:sld>
+</file>
+
+<file path=ppt/slides/slide22.xml><?xml version="1.0" encoding="utf-8"?>
+<p:sld xmlns:a="http://schemas.openxmlformats.org/drawingml/2006/main" xmlns:r="http://schemas.openxmlformats.org/officeDocument/2006/relationships" xmlns:p="http://schemas.openxmlformats.org/presentationml/2006/main">
+  <p:cSld>
+    <p:bg>
+      <p:bgPr>
+        <a:solidFill>
+          <a:srgbClr val="282828"/>
+        </a:solidFill>
+        <a:effectLst/>
+      </p:bgPr>
+    </p:bg>
+    <p:spTree>
+      <p:nvGrpSpPr>
+        <p:cNvPr id="1" name=""/>
+        <p:cNvGrpSpPr/>
+        <p:nvPr/>
+      </p:nvGrpSpPr>
+      <p:grpSpPr>
+        <a:xfrm>
+          <a:off x="0" y="0"/>
+          <a:ext cx="0" cy="0"/>
+          <a:chOff x="0" y="0"/>
+          <a:chExt cx="0" cy="0"/>
+        </a:xfrm>
+      </p:grpSpPr>
+      <p:grpSp>
+        <p:nvGrpSpPr>
+          <p:cNvPr id="18" name="群組 17"/>
+          <p:cNvGrpSpPr/>
+          <p:nvPr/>
+        </p:nvGrpSpPr>
+        <p:grpSpPr>
+          <a:xfrm>
+            <a:off x="1774934" y="1264903"/>
+            <a:ext cx="7666403" cy="4248361"/>
+            <a:chOff x="1774934" y="1264903"/>
+            <a:chExt cx="7666403" cy="4248361"/>
+          </a:xfrm>
+        </p:grpSpPr>
+        <p:pic>
+          <p:nvPicPr>
+            <p:cNvPr id="3" name="圖片 2"/>
+            <p:cNvPicPr>
+              <a:picLocks noChangeAspect="1"/>
+            </p:cNvPicPr>
+            <p:nvPr/>
+          </p:nvPicPr>
+          <p:blipFill>
+            <a:blip r:embed="rId2" cstate="print">
+              <a:extLst>
+                <a:ext uri="{28A0092B-C50C-407E-A947-70E740481C1C}">
+                  <a14:useLocalDpi xmlns:a14="http://schemas.microsoft.com/office/drawing/2010/main" val="0"/>
+                </a:ext>
+              </a:extLst>
+            </a:blip>
+            <a:stretch>
+              <a:fillRect/>
+            </a:stretch>
+          </p:blipFill>
+          <p:spPr>
+            <a:xfrm>
+              <a:off x="2299335" y="2029728"/>
+              <a:ext cx="1260538" cy="1853732"/>
+            </a:xfrm>
+            <a:prstGeom prst="rect">
+              <a:avLst/>
+            </a:prstGeom>
+          </p:spPr>
+        </p:pic>
+        <p:pic>
+          <p:nvPicPr>
+            <p:cNvPr id="6" name="圖片 5"/>
+            <p:cNvPicPr>
+              <a:picLocks noChangeAspect="1"/>
+            </p:cNvPicPr>
+            <p:nvPr/>
+          </p:nvPicPr>
+          <p:blipFill>
+            <a:blip r:embed="rId3">
+              <a:extLst>
+                <a:ext uri="{28A0092B-C50C-407E-A947-70E740481C1C}">
+                  <a14:useLocalDpi xmlns:a14="http://schemas.microsoft.com/office/drawing/2010/main" val="0"/>
+                </a:ext>
+              </a:extLst>
+            </a:blip>
+            <a:stretch>
+              <a:fillRect/>
+            </a:stretch>
+          </p:blipFill>
+          <p:spPr>
+            <a:xfrm>
+              <a:off x="1774934" y="3225640"/>
+              <a:ext cx="1470184" cy="2170272"/>
+            </a:xfrm>
+            <a:prstGeom prst="rect">
+              <a:avLst/>
+            </a:prstGeom>
+          </p:spPr>
+        </p:pic>
+        <p:pic>
+          <p:nvPicPr>
+            <p:cNvPr id="7" name="圖片 6"/>
+            <p:cNvPicPr>
+              <a:picLocks noChangeAspect="1"/>
+            </p:cNvPicPr>
+            <p:nvPr/>
+          </p:nvPicPr>
+          <p:blipFill>
+            <a:blip r:embed="rId4" cstate="print">
+              <a:extLst>
+                <a:ext uri="{28A0092B-C50C-407E-A947-70E740481C1C}">
+                  <a14:useLocalDpi xmlns:a14="http://schemas.microsoft.com/office/drawing/2010/main" val="0"/>
+                </a:ext>
+              </a:extLst>
+            </a:blip>
+            <a:stretch>
+              <a:fillRect/>
+            </a:stretch>
+          </p:blipFill>
+          <p:spPr>
+            <a:xfrm>
+              <a:off x="3357562" y="2501144"/>
+              <a:ext cx="1928124" cy="1448991"/>
+            </a:xfrm>
+            <a:prstGeom prst="rect">
+              <a:avLst/>
+            </a:prstGeom>
+          </p:spPr>
+        </p:pic>
+        <p:pic>
+          <p:nvPicPr>
+            <p:cNvPr id="4" name="圖片 3"/>
+            <p:cNvPicPr>
+              <a:picLocks noChangeAspect="1"/>
+            </p:cNvPicPr>
+            <p:nvPr/>
+          </p:nvPicPr>
+          <p:blipFill>
+            <a:blip r:embed="rId5">
+              <a:extLst>
+                <a:ext uri="{28A0092B-C50C-407E-A947-70E740481C1C}">
+                  <a14:useLocalDpi xmlns:a14="http://schemas.microsoft.com/office/drawing/2010/main" val="0"/>
+                </a:ext>
+              </a:extLst>
+            </a:blip>
+            <a:stretch>
+              <a:fillRect/>
+            </a:stretch>
+          </p:blipFill>
+          <p:spPr>
+            <a:xfrm>
+              <a:off x="3130818" y="3735204"/>
+              <a:ext cx="1745552" cy="1344168"/>
+            </a:xfrm>
+            <a:prstGeom prst="rect">
+              <a:avLst/>
+            </a:prstGeom>
+          </p:spPr>
+        </p:pic>
+        <p:pic>
+          <p:nvPicPr>
+            <p:cNvPr id="13" name="圖片 12"/>
+            <p:cNvPicPr>
+              <a:picLocks noChangeAspect="1"/>
+            </p:cNvPicPr>
+            <p:nvPr/>
+          </p:nvPicPr>
+          <p:blipFill>
+            <a:blip r:embed="rId6" cstate="print">
+              <a:extLst>
+                <a:ext uri="{28A0092B-C50C-407E-A947-70E740481C1C}">
+                  <a14:useLocalDpi xmlns:a14="http://schemas.microsoft.com/office/drawing/2010/main" val="0"/>
+                </a:ext>
+              </a:extLst>
+            </a:blip>
+            <a:stretch>
+              <a:fillRect/>
+            </a:stretch>
+          </p:blipFill>
+          <p:spPr>
+            <a:xfrm>
+              <a:off x="7053364" y="2211306"/>
+              <a:ext cx="1569754" cy="1573688"/>
+            </a:xfrm>
+            <a:prstGeom prst="rect">
+              <a:avLst/>
+            </a:prstGeom>
+          </p:spPr>
+        </p:pic>
+        <p:pic>
+          <p:nvPicPr>
+            <p:cNvPr id="14" name="圖片 13"/>
+            <p:cNvPicPr>
+              <a:picLocks noChangeAspect="1"/>
+            </p:cNvPicPr>
+            <p:nvPr/>
+          </p:nvPicPr>
+          <p:blipFill>
+            <a:blip r:embed="rId7">
+              <a:extLst>
+                <a:ext uri="{28A0092B-C50C-407E-A947-70E740481C1C}">
+                  <a14:useLocalDpi xmlns:a14="http://schemas.microsoft.com/office/drawing/2010/main" val="0"/>
+                </a:ext>
+              </a:extLst>
+            </a:blip>
+            <a:stretch>
+              <a:fillRect/>
+            </a:stretch>
+          </p:blipFill>
+          <p:spPr>
+            <a:xfrm>
+              <a:off x="7237798" y="3535054"/>
+              <a:ext cx="2203539" cy="1744468"/>
+            </a:xfrm>
+            <a:prstGeom prst="rect">
+              <a:avLst/>
+            </a:prstGeom>
+          </p:spPr>
+        </p:pic>
+        <p:pic>
+          <p:nvPicPr>
+            <p:cNvPr id="15" name="圖片 14"/>
+            <p:cNvPicPr>
+              <a:picLocks noChangeAspect="1"/>
+            </p:cNvPicPr>
+            <p:nvPr/>
+          </p:nvPicPr>
+          <p:blipFill>
+            <a:blip r:embed="rId8">
+              <a:extLst>
+                <a:ext uri="{28A0092B-C50C-407E-A947-70E740481C1C}">
+                  <a14:useLocalDpi xmlns:a14="http://schemas.microsoft.com/office/drawing/2010/main" val="0"/>
+                </a:ext>
+              </a:extLst>
+            </a:blip>
+            <a:stretch>
+              <a:fillRect/>
+            </a:stretch>
+          </p:blipFill>
+          <p:spPr>
+            <a:xfrm>
+              <a:off x="6169676" y="2017572"/>
+              <a:ext cx="1276216" cy="1698561"/>
+            </a:xfrm>
+            <a:prstGeom prst="rect">
+              <a:avLst/>
+            </a:prstGeom>
+          </p:spPr>
+        </p:pic>
+        <p:pic>
+          <p:nvPicPr>
+            <p:cNvPr id="16" name="圖片 15"/>
+            <p:cNvPicPr>
+              <a:picLocks noChangeAspect="1"/>
+            </p:cNvPicPr>
+            <p:nvPr/>
+          </p:nvPicPr>
+          <p:blipFill>
+            <a:blip r:embed="rId9" cstate="print">
+              <a:extLst>
+                <a:ext uri="{28A0092B-C50C-407E-A947-70E740481C1C}">
+                  <a14:useLocalDpi xmlns:a14="http://schemas.microsoft.com/office/drawing/2010/main" val="0"/>
+                </a:ext>
+              </a:extLst>
+            </a:blip>
+            <a:stretch>
+              <a:fillRect/>
+            </a:stretch>
+          </p:blipFill>
+          <p:spPr>
+            <a:xfrm>
+              <a:off x="5934597" y="3551253"/>
+              <a:ext cx="1482321" cy="1962011"/>
+            </a:xfrm>
+            <a:prstGeom prst="rect">
+              <a:avLst/>
+            </a:prstGeom>
+          </p:spPr>
+        </p:pic>
+        <p:sp>
+          <p:nvSpPr>
+            <p:cNvPr id="17" name="文字方塊 16"/>
+            <p:cNvSpPr txBox="1"/>
+            <p:nvPr/>
+          </p:nvSpPr>
+          <p:spPr>
+            <a:xfrm>
+              <a:off x="2762250" y="1266825"/>
+              <a:ext cx="2039341" cy="707886"/>
+            </a:xfrm>
+            <a:prstGeom prst="rect">
+              <a:avLst/>
+            </a:prstGeom>
+            <a:noFill/>
+          </p:spPr>
+          <p:txBody>
+            <a:bodyPr wrap="none" rtlCol="0">
+              <a:spAutoFit/>
+            </a:bodyPr>
+            <a:lstStyle/>
+            <a:p>
+              <a:r>
+                <a:rPr lang="zh-TW" altLang="en-US" sz="4000" dirty="0">
+                  <a:solidFill>
+                    <a:schemeClr val="bg1"/>
+                  </a:solidFill>
+                </a:rPr>
+                <a:t>「</a:t>
+              </a:r>
+              <a:r>
+                <a:rPr lang="en-US" altLang="zh-TW" sz="4000" dirty="0" smtClean="0">
+                  <a:solidFill>
+                    <a:schemeClr val="bg1"/>
+                  </a:solidFill>
+                </a:rPr>
+                <a:t>Dog</a:t>
+              </a:r>
+              <a:r>
+                <a:rPr lang="zh-TW" altLang="en-US" sz="4000" dirty="0" smtClean="0">
+                  <a:solidFill>
+                    <a:schemeClr val="bg1"/>
+                  </a:solidFill>
+                </a:rPr>
+                <a:t>」</a:t>
+              </a:r>
+              <a:endParaRPr lang="zh-TW" altLang="en-US" sz="4000" dirty="0">
+                <a:solidFill>
+                  <a:schemeClr val="bg1"/>
+                </a:solidFill>
+              </a:endParaRPr>
+            </a:p>
+          </p:txBody>
+        </p:sp>
+        <p:sp>
+          <p:nvSpPr>
+            <p:cNvPr id="61" name="文字方塊 60"/>
+            <p:cNvSpPr txBox="1"/>
+            <p:nvPr/>
+          </p:nvSpPr>
+          <p:spPr>
+            <a:xfrm>
+              <a:off x="6495548" y="1264903"/>
+              <a:ext cx="2127570" cy="707886"/>
+            </a:xfrm>
+            <a:prstGeom prst="rect">
+              <a:avLst/>
+            </a:prstGeom>
+            <a:noFill/>
+          </p:spPr>
+          <p:txBody>
+            <a:bodyPr wrap="none" rtlCol="0">
+              <a:spAutoFit/>
+            </a:bodyPr>
+            <a:lstStyle/>
+            <a:p>
+              <a:r>
+                <a:rPr lang="zh-TW" altLang="en-US" sz="4000" dirty="0">
+                  <a:solidFill>
+                    <a:schemeClr val="bg1"/>
+                  </a:solidFill>
+                </a:rPr>
+                <a:t>「 </a:t>
+              </a:r>
+              <a:r>
+                <a:rPr lang="en-US" altLang="zh-TW" sz="4000" dirty="0" smtClean="0">
+                  <a:solidFill>
+                    <a:schemeClr val="bg1"/>
+                  </a:solidFill>
+                </a:rPr>
+                <a:t>Cat</a:t>
+              </a:r>
+              <a:r>
+                <a:rPr lang="zh-TW" altLang="en-US" sz="4000" dirty="0">
+                  <a:solidFill>
+                    <a:schemeClr val="bg1"/>
+                  </a:solidFill>
+                </a:rPr>
+                <a:t> 」</a:t>
+              </a:r>
+            </a:p>
+          </p:txBody>
+        </p:sp>
+      </p:grpSp>
+    </p:spTree>
+    <p:extLst>
+      <p:ext uri="{BB962C8B-B14F-4D97-AF65-F5344CB8AC3E}">
+        <p14:creationId xmlns:p14="http://schemas.microsoft.com/office/powerpoint/2010/main" val="2789534578"/>
+      </p:ext>
+    </p:extLst>
+  </p:cSld>
+  <p:clrMapOvr>
+    <a:masterClrMapping/>
+  </p:clrMapOvr>
+</p:sld>
+</file>
+
+<file path=ppt/slides/slide23.xml><?xml version="1.0" encoding="utf-8"?>
+<p:sld xmlns:a="http://schemas.openxmlformats.org/drawingml/2006/main" xmlns:r="http://schemas.openxmlformats.org/officeDocument/2006/relationships" xmlns:p="http://schemas.openxmlformats.org/presentationml/2006/main">
+  <p:cSld>
+    <p:bg>
+      <p:bgPr>
+        <a:solidFill>
+          <a:srgbClr val="282828"/>
+        </a:solidFill>
+        <a:effectLst/>
+      </p:bgPr>
+    </p:bg>
+    <p:spTree>
+      <p:nvGrpSpPr>
+        <p:cNvPr id="1" name=""/>
+        <p:cNvGrpSpPr/>
+        <p:nvPr/>
+      </p:nvGrpSpPr>
+      <p:grpSpPr>
+        <a:xfrm>
+          <a:off x="0" y="0"/>
+          <a:ext cx="0" cy="0"/>
+          <a:chOff x="0" y="0"/>
+          <a:chExt cx="0" cy="0"/>
+        </a:xfrm>
+      </p:grpSpPr>
+      <p:sp>
+        <p:nvSpPr>
+          <p:cNvPr id="18" name="矩形 17"/>
+          <p:cNvSpPr/>
+          <p:nvPr/>
+        </p:nvSpPr>
+        <p:spPr>
+          <a:xfrm>
+            <a:off x="1941058" y="1264903"/>
+            <a:ext cx="7669116" cy="4332518"/>
+          </a:xfrm>
+          <a:prstGeom prst="rect">
+            <a:avLst/>
+          </a:prstGeom>
+          <a:solidFill>
+            <a:srgbClr val="282828"/>
+          </a:solidFill>
+          <a:ln>
+            <a:noFill/>
+          </a:ln>
+        </p:spPr>
+        <p:style>
+          <a:lnRef idx="2">
+            <a:schemeClr val="accent1">
+              <a:shade val="50000"/>
+            </a:schemeClr>
+          </a:lnRef>
+          <a:fillRef idx="1">
+            <a:schemeClr val="accent1"/>
+          </a:fillRef>
+          <a:effectRef idx="0">
+            <a:schemeClr val="accent1"/>
+          </a:effectRef>
+          <a:fontRef idx="minor">
+            <a:schemeClr val="lt1"/>
+          </a:fontRef>
+        </p:style>
+        <p:txBody>
+          <a:bodyPr rtlCol="0" anchor="ctr"/>
+          <a:lstStyle/>
+          <a:p>
+            <a:pPr algn="ctr"/>
+            <a:endParaRPr lang="zh-TW" altLang="en-US"/>
+          </a:p>
+        </p:txBody>
+      </p:sp>
+      <p:grpSp>
+        <p:nvGrpSpPr>
+          <p:cNvPr id="8" name="群組 7"/>
+          <p:cNvGrpSpPr/>
+          <p:nvPr/>
+        </p:nvGrpSpPr>
+        <p:grpSpPr>
+          <a:xfrm>
+            <a:off x="1941058" y="1264903"/>
+            <a:ext cx="7669116" cy="4332518"/>
+            <a:chOff x="1941058" y="1264903"/>
+            <a:chExt cx="7669116" cy="4332518"/>
+          </a:xfrm>
+        </p:grpSpPr>
+        <p:grpSp>
+          <p:nvGrpSpPr>
+            <p:cNvPr id="2" name="群組 1"/>
+            <p:cNvGrpSpPr/>
+            <p:nvPr/>
+          </p:nvGrpSpPr>
+          <p:grpSpPr>
+            <a:xfrm>
+              <a:off x="6099422" y="2054463"/>
+              <a:ext cx="3510752" cy="3366184"/>
+              <a:chOff x="1774934" y="2029728"/>
+              <a:chExt cx="3510752" cy="3366184"/>
+            </a:xfrm>
+          </p:grpSpPr>
+          <p:pic>
+            <p:nvPicPr>
+              <p:cNvPr id="3" name="圖片 2"/>
+              <p:cNvPicPr>
+                <a:picLocks noChangeAspect="1"/>
+              </p:cNvPicPr>
+              <p:nvPr/>
+            </p:nvPicPr>
+            <p:blipFill>
+              <a:blip r:embed="rId2" cstate="print">
+                <a:extLst>
+                  <a:ext uri="{28A0092B-C50C-407E-A947-70E740481C1C}">
+                    <a14:useLocalDpi xmlns:a14="http://schemas.microsoft.com/office/drawing/2010/main" val="0"/>
+                  </a:ext>
+                </a:extLst>
+              </a:blip>
+              <a:stretch>
+                <a:fillRect/>
+              </a:stretch>
+            </p:blipFill>
+            <p:spPr>
+              <a:xfrm>
+                <a:off x="2299335" y="2029728"/>
+                <a:ext cx="1260538" cy="1853732"/>
+              </a:xfrm>
+              <a:prstGeom prst="rect">
+                <a:avLst/>
+              </a:prstGeom>
+            </p:spPr>
+          </p:pic>
+          <p:pic>
+            <p:nvPicPr>
+              <p:cNvPr id="6" name="圖片 5"/>
+              <p:cNvPicPr>
+                <a:picLocks noChangeAspect="1"/>
+              </p:cNvPicPr>
+              <p:nvPr/>
+            </p:nvPicPr>
+            <p:blipFill>
+              <a:blip r:embed="rId3">
+                <a:extLst>
+                  <a:ext uri="{28A0092B-C50C-407E-A947-70E740481C1C}">
+                    <a14:useLocalDpi xmlns:a14="http://schemas.microsoft.com/office/drawing/2010/main" val="0"/>
+                  </a:ext>
+                </a:extLst>
+              </a:blip>
+              <a:stretch>
+                <a:fillRect/>
+              </a:stretch>
+            </p:blipFill>
+            <p:spPr>
+              <a:xfrm>
+                <a:off x="1774934" y="3225640"/>
+                <a:ext cx="1470184" cy="2170272"/>
+              </a:xfrm>
+              <a:prstGeom prst="rect">
+                <a:avLst/>
+              </a:prstGeom>
+            </p:spPr>
+          </p:pic>
+          <p:pic>
+            <p:nvPicPr>
+              <p:cNvPr id="7" name="圖片 6"/>
+              <p:cNvPicPr>
+                <a:picLocks noChangeAspect="1"/>
+              </p:cNvPicPr>
+              <p:nvPr/>
+            </p:nvPicPr>
+            <p:blipFill>
+              <a:blip r:embed="rId4" cstate="print">
+                <a:extLst>
+                  <a:ext uri="{28A0092B-C50C-407E-A947-70E740481C1C}">
+                    <a14:useLocalDpi xmlns:a14="http://schemas.microsoft.com/office/drawing/2010/main" val="0"/>
+                  </a:ext>
+                </a:extLst>
+              </a:blip>
+              <a:stretch>
+                <a:fillRect/>
+              </a:stretch>
+            </p:blipFill>
+            <p:spPr>
+              <a:xfrm>
+                <a:off x="3357562" y="2501144"/>
+                <a:ext cx="1928124" cy="1448991"/>
+              </a:xfrm>
+              <a:prstGeom prst="rect">
+                <a:avLst/>
+              </a:prstGeom>
+            </p:spPr>
+          </p:pic>
+          <p:pic>
+            <p:nvPicPr>
+              <p:cNvPr id="4" name="圖片 3"/>
+              <p:cNvPicPr>
+                <a:picLocks noChangeAspect="1"/>
+              </p:cNvPicPr>
+              <p:nvPr/>
+            </p:nvPicPr>
+            <p:blipFill>
+              <a:blip r:embed="rId5">
+                <a:extLst>
+                  <a:ext uri="{28A0092B-C50C-407E-A947-70E740481C1C}">
+                    <a14:useLocalDpi xmlns:a14="http://schemas.microsoft.com/office/drawing/2010/main" val="0"/>
+                  </a:ext>
+                </a:extLst>
+              </a:blip>
+              <a:stretch>
+                <a:fillRect/>
+              </a:stretch>
+            </p:blipFill>
+            <p:spPr>
+              <a:xfrm>
+                <a:off x="3130818" y="3735204"/>
+                <a:ext cx="1745552" cy="1344168"/>
+              </a:xfrm>
+              <a:prstGeom prst="rect">
+                <a:avLst/>
+              </a:prstGeom>
+            </p:spPr>
+          </p:pic>
+        </p:grpSp>
+        <p:grpSp>
+          <p:nvGrpSpPr>
+            <p:cNvPr id="5" name="群組 4"/>
+            <p:cNvGrpSpPr/>
+            <p:nvPr/>
+          </p:nvGrpSpPr>
+          <p:grpSpPr>
+            <a:xfrm>
+              <a:off x="1941058" y="2101729"/>
+              <a:ext cx="3506740" cy="3495692"/>
+              <a:chOff x="5934597" y="2017572"/>
+              <a:chExt cx="3506740" cy="3495692"/>
+            </a:xfrm>
+          </p:grpSpPr>
+          <p:pic>
+            <p:nvPicPr>
+              <p:cNvPr id="13" name="圖片 12"/>
+              <p:cNvPicPr>
+                <a:picLocks noChangeAspect="1"/>
+              </p:cNvPicPr>
+              <p:nvPr/>
+            </p:nvPicPr>
+            <p:blipFill>
+              <a:blip r:embed="rId6" cstate="print">
+                <a:extLst>
+                  <a:ext uri="{28A0092B-C50C-407E-A947-70E740481C1C}">
+                    <a14:useLocalDpi xmlns:a14="http://schemas.microsoft.com/office/drawing/2010/main" val="0"/>
+                  </a:ext>
+                </a:extLst>
+              </a:blip>
+              <a:stretch>
+                <a:fillRect/>
+              </a:stretch>
+            </p:blipFill>
+            <p:spPr>
+              <a:xfrm>
+                <a:off x="7053364" y="2211306"/>
+                <a:ext cx="1569754" cy="1573688"/>
+              </a:xfrm>
+              <a:prstGeom prst="rect">
+                <a:avLst/>
+              </a:prstGeom>
+            </p:spPr>
+          </p:pic>
+          <p:pic>
+            <p:nvPicPr>
+              <p:cNvPr id="14" name="圖片 13"/>
+              <p:cNvPicPr>
+                <a:picLocks noChangeAspect="1"/>
+              </p:cNvPicPr>
+              <p:nvPr/>
+            </p:nvPicPr>
+            <p:blipFill>
+              <a:blip r:embed="rId7">
+                <a:extLst>
+                  <a:ext uri="{28A0092B-C50C-407E-A947-70E740481C1C}">
+                    <a14:useLocalDpi xmlns:a14="http://schemas.microsoft.com/office/drawing/2010/main" val="0"/>
+                  </a:ext>
+                </a:extLst>
+              </a:blip>
+              <a:stretch>
+                <a:fillRect/>
+              </a:stretch>
+            </p:blipFill>
+            <p:spPr>
+              <a:xfrm>
+                <a:off x="7237798" y="3535054"/>
+                <a:ext cx="2203539" cy="1744468"/>
+              </a:xfrm>
+              <a:prstGeom prst="rect">
+                <a:avLst/>
+              </a:prstGeom>
+            </p:spPr>
+          </p:pic>
+          <p:pic>
+            <p:nvPicPr>
+              <p:cNvPr id="15" name="圖片 14"/>
+              <p:cNvPicPr>
+                <a:picLocks noChangeAspect="1"/>
+              </p:cNvPicPr>
+              <p:nvPr/>
+            </p:nvPicPr>
+            <p:blipFill>
+              <a:blip r:embed="rId8">
+                <a:extLst>
+                  <a:ext uri="{28A0092B-C50C-407E-A947-70E740481C1C}">
+                    <a14:useLocalDpi xmlns:a14="http://schemas.microsoft.com/office/drawing/2010/main" val="0"/>
+                  </a:ext>
+                </a:extLst>
+              </a:blip>
+              <a:stretch>
+                <a:fillRect/>
+              </a:stretch>
+            </p:blipFill>
+            <p:spPr>
+              <a:xfrm>
+                <a:off x="6169676" y="2017572"/>
+                <a:ext cx="1276216" cy="1698561"/>
+              </a:xfrm>
+              <a:prstGeom prst="rect">
+                <a:avLst/>
+              </a:prstGeom>
+            </p:spPr>
+          </p:pic>
+          <p:pic>
+            <p:nvPicPr>
+              <p:cNvPr id="16" name="圖片 15"/>
+              <p:cNvPicPr>
+                <a:picLocks noChangeAspect="1"/>
+              </p:cNvPicPr>
+              <p:nvPr/>
+            </p:nvPicPr>
+            <p:blipFill>
+              <a:blip r:embed="rId9" cstate="print">
+                <a:extLst>
+                  <a:ext uri="{28A0092B-C50C-407E-A947-70E740481C1C}">
+                    <a14:useLocalDpi xmlns:a14="http://schemas.microsoft.com/office/drawing/2010/main" val="0"/>
+                  </a:ext>
+                </a:extLst>
+              </a:blip>
+              <a:stretch>
+                <a:fillRect/>
+              </a:stretch>
+            </p:blipFill>
+            <p:spPr>
+              <a:xfrm>
+                <a:off x="5934597" y="3551253"/>
+                <a:ext cx="1482321" cy="1962011"/>
+              </a:xfrm>
+              <a:prstGeom prst="rect">
+                <a:avLst/>
+              </a:prstGeom>
+            </p:spPr>
+          </p:pic>
+        </p:grpSp>
+        <p:sp>
+          <p:nvSpPr>
+            <p:cNvPr id="17" name="文字方塊 16"/>
+            <p:cNvSpPr txBox="1"/>
+            <p:nvPr/>
+          </p:nvSpPr>
+          <p:spPr>
+            <a:xfrm>
+              <a:off x="2762250" y="1266825"/>
+              <a:ext cx="1864357" cy="707886"/>
+            </a:xfrm>
+            <a:prstGeom prst="rect">
+              <a:avLst/>
+            </a:prstGeom>
+            <a:noFill/>
+          </p:spPr>
+          <p:txBody>
+            <a:bodyPr wrap="none" rtlCol="0">
+              <a:spAutoFit/>
+            </a:bodyPr>
+            <a:lstStyle/>
+            <a:p>
+              <a:r>
+                <a:rPr lang="en-US" altLang="zh-TW" sz="4000" dirty="0" smtClean="0">
+                  <a:solidFill>
+                    <a:schemeClr val="bg1"/>
+                  </a:solidFill>
+                </a:rPr>
+                <a:t>Group 1</a:t>
+              </a:r>
+              <a:endParaRPr lang="zh-TW" altLang="en-US" sz="4000" dirty="0">
+                <a:solidFill>
+                  <a:schemeClr val="bg1"/>
+                </a:solidFill>
+              </a:endParaRPr>
+            </a:p>
+          </p:txBody>
+        </p:sp>
+        <p:sp>
+          <p:nvSpPr>
+            <p:cNvPr id="61" name="文字方塊 60"/>
+            <p:cNvSpPr txBox="1"/>
+            <p:nvPr/>
+          </p:nvSpPr>
+          <p:spPr>
+            <a:xfrm>
+              <a:off x="6495548" y="1264903"/>
+              <a:ext cx="1864357" cy="707886"/>
+            </a:xfrm>
+            <a:prstGeom prst="rect">
+              <a:avLst/>
+            </a:prstGeom>
+            <a:noFill/>
+          </p:spPr>
+          <p:txBody>
+            <a:bodyPr wrap="none" rtlCol="0">
+              <a:spAutoFit/>
+            </a:bodyPr>
+            <a:lstStyle/>
+            <a:p>
+              <a:r>
+                <a:rPr lang="en-US" altLang="zh-TW" sz="4000" dirty="0" smtClean="0">
+                  <a:solidFill>
+                    <a:schemeClr val="bg1"/>
+                  </a:solidFill>
+                </a:rPr>
+                <a:t>Group 2</a:t>
+              </a:r>
+              <a:endParaRPr lang="zh-TW" altLang="en-US" sz="4000" dirty="0">
+                <a:solidFill>
+                  <a:schemeClr val="bg1"/>
+                </a:solidFill>
+              </a:endParaRPr>
+            </a:p>
+          </p:txBody>
+        </p:sp>
+      </p:grpSp>
+    </p:spTree>
+    <p:extLst>
+      <p:ext uri="{BB962C8B-B14F-4D97-AF65-F5344CB8AC3E}">
+        <p14:creationId xmlns:p14="http://schemas.microsoft.com/office/powerpoint/2010/main" val="1001395231"/>
+      </p:ext>
+    </p:extLst>
+  </p:cSld>
+  <p:clrMapOvr>
+    <a:masterClrMapping/>
+  </p:clrMapOvr>
+</p:sld>
+</file>
+
+<file path=ppt/slides/slide24.xml><?xml version="1.0" encoding="utf-8"?>
+<p:sld xmlns:a="http://schemas.openxmlformats.org/drawingml/2006/main" xmlns:r="http://schemas.openxmlformats.org/officeDocument/2006/relationships" xmlns:p="http://schemas.openxmlformats.org/presentationml/2006/main">
+  <p:cSld>
+    <p:bg>
+      <p:bgPr>
+        <a:solidFill>
+          <a:srgbClr val="282828"/>
+        </a:solidFill>
+        <a:effectLst/>
+      </p:bgPr>
+    </p:bg>
+    <p:spTree>
+      <p:nvGrpSpPr>
+        <p:cNvPr id="1" name=""/>
+        <p:cNvGrpSpPr/>
+        <p:nvPr/>
+      </p:nvGrpSpPr>
+      <p:grpSpPr>
+        <a:xfrm>
+          <a:off x="0" y="0"/>
+          <a:ext cx="0" cy="0"/>
+          <a:chOff x="0" y="0"/>
+          <a:chExt cx="0" cy="0"/>
+        </a:xfrm>
+      </p:grpSpPr>
+      <p:sp>
+        <p:nvSpPr>
+          <p:cNvPr id="9" name="矩形 8"/>
+          <p:cNvSpPr/>
+          <p:nvPr/>
+        </p:nvSpPr>
+        <p:spPr>
+          <a:xfrm>
+            <a:off x="1774934" y="1264903"/>
+            <a:ext cx="7295734" cy="4248362"/>
+          </a:xfrm>
+          <a:prstGeom prst="rect">
+            <a:avLst/>
+          </a:prstGeom>
+          <a:solidFill>
+            <a:srgbClr val="282828"/>
+          </a:solidFill>
+          <a:ln>
+            <a:noFill/>
+          </a:ln>
+        </p:spPr>
+        <p:style>
+          <a:lnRef idx="2">
+            <a:schemeClr val="accent1">
+              <a:shade val="50000"/>
+            </a:schemeClr>
+          </a:lnRef>
+          <a:fillRef idx="1">
+            <a:schemeClr val="accent1"/>
+          </a:fillRef>
+          <a:effectRef idx="0">
+            <a:schemeClr val="accent1"/>
+          </a:effectRef>
+          <a:fontRef idx="minor">
+            <a:schemeClr val="lt1"/>
+          </a:fontRef>
+        </p:style>
+        <p:txBody>
+          <a:bodyPr rtlCol="0" anchor="ctr"/>
+          <a:lstStyle/>
+          <a:p>
+            <a:pPr algn="ctr"/>
+            <a:endParaRPr lang="zh-TW" altLang="en-US"/>
+          </a:p>
+        </p:txBody>
+      </p:sp>
+      <p:grpSp>
+        <p:nvGrpSpPr>
+          <p:cNvPr id="8" name="群組 7"/>
+          <p:cNvGrpSpPr/>
+          <p:nvPr/>
+        </p:nvGrpSpPr>
+        <p:grpSpPr>
+          <a:xfrm>
+            <a:off x="1774934" y="1264903"/>
+            <a:ext cx="7295734" cy="4248361"/>
+            <a:chOff x="1774934" y="1264903"/>
+            <a:chExt cx="7295734" cy="4248361"/>
+          </a:xfrm>
+        </p:grpSpPr>
+        <p:grpSp>
+          <p:nvGrpSpPr>
+            <p:cNvPr id="5" name="群組 4"/>
+            <p:cNvGrpSpPr/>
+            <p:nvPr/>
+          </p:nvGrpSpPr>
+          <p:grpSpPr>
+            <a:xfrm>
+              <a:off x="5865279" y="2071284"/>
+              <a:ext cx="3205389" cy="3441980"/>
+              <a:chOff x="5865279" y="2071284"/>
+              <a:chExt cx="3205389" cy="3441980"/>
+            </a:xfrm>
+          </p:grpSpPr>
+          <p:pic>
+            <p:nvPicPr>
+              <p:cNvPr id="3" name="圖片 2"/>
+              <p:cNvPicPr>
+                <a:picLocks noChangeAspect="1"/>
+              </p:cNvPicPr>
+              <p:nvPr/>
+            </p:nvPicPr>
+            <p:blipFill>
+              <a:blip r:embed="rId2" cstate="print">
+                <a:extLst>
+                  <a:ext uri="{28A0092B-C50C-407E-A947-70E740481C1C}">
+                    <a14:useLocalDpi xmlns:a14="http://schemas.microsoft.com/office/drawing/2010/main" val="0"/>
+                  </a:ext>
+                </a:extLst>
+              </a:blip>
+              <a:stretch>
+                <a:fillRect/>
+              </a:stretch>
+            </p:blipFill>
+            <p:spPr>
+              <a:xfrm>
+                <a:off x="5865279" y="2071284"/>
+                <a:ext cx="1260538" cy="1853732"/>
+              </a:xfrm>
+              <a:prstGeom prst="rect">
+                <a:avLst/>
+              </a:prstGeom>
+            </p:spPr>
+          </p:pic>
+          <p:pic>
+            <p:nvPicPr>
+              <p:cNvPr id="4" name="圖片 3"/>
+              <p:cNvPicPr>
+                <a:picLocks noChangeAspect="1"/>
+              </p:cNvPicPr>
+              <p:nvPr/>
+            </p:nvPicPr>
+            <p:blipFill>
+              <a:blip r:embed="rId3">
+                <a:extLst>
+                  <a:ext uri="{28A0092B-C50C-407E-A947-70E740481C1C}">
+                    <a14:useLocalDpi xmlns:a14="http://schemas.microsoft.com/office/drawing/2010/main" val="0"/>
+                  </a:ext>
+                </a:extLst>
+              </a:blip>
+              <a:stretch>
+                <a:fillRect/>
+              </a:stretch>
+            </p:blipFill>
+            <p:spPr>
+              <a:xfrm>
+                <a:off x="7325116" y="3670740"/>
+                <a:ext cx="1745552" cy="1344168"/>
+              </a:xfrm>
+              <a:prstGeom prst="rect">
+                <a:avLst/>
+              </a:prstGeom>
+            </p:spPr>
+          </p:pic>
+          <p:pic>
+            <p:nvPicPr>
+              <p:cNvPr id="13" name="圖片 12"/>
+              <p:cNvPicPr>
+                <a:picLocks noChangeAspect="1"/>
+              </p:cNvPicPr>
+              <p:nvPr/>
+            </p:nvPicPr>
+            <p:blipFill>
+              <a:blip r:embed="rId4" cstate="print">
+                <a:extLst>
+                  <a:ext uri="{28A0092B-C50C-407E-A947-70E740481C1C}">
+                    <a14:useLocalDpi xmlns:a14="http://schemas.microsoft.com/office/drawing/2010/main" val="0"/>
+                  </a:ext>
+                </a:extLst>
+              </a:blip>
+              <a:stretch>
+                <a:fillRect/>
+              </a:stretch>
+            </p:blipFill>
+            <p:spPr>
+              <a:xfrm>
+                <a:off x="7053364" y="2211306"/>
+                <a:ext cx="1569754" cy="1573688"/>
+              </a:xfrm>
+              <a:prstGeom prst="rect">
+                <a:avLst/>
+              </a:prstGeom>
+            </p:spPr>
+          </p:pic>
+          <p:pic>
+            <p:nvPicPr>
+              <p:cNvPr id="16" name="圖片 15"/>
+              <p:cNvPicPr>
+                <a:picLocks noChangeAspect="1"/>
+              </p:cNvPicPr>
+              <p:nvPr/>
+            </p:nvPicPr>
+            <p:blipFill>
+              <a:blip r:embed="rId5" cstate="print">
+                <a:extLst>
+                  <a:ext uri="{28A0092B-C50C-407E-A947-70E740481C1C}">
+                    <a14:useLocalDpi xmlns:a14="http://schemas.microsoft.com/office/drawing/2010/main" val="0"/>
+                  </a:ext>
+                </a:extLst>
+              </a:blip>
+              <a:stretch>
+                <a:fillRect/>
+              </a:stretch>
+            </p:blipFill>
+            <p:spPr>
+              <a:xfrm>
+                <a:off x="5934597" y="3551253"/>
+                <a:ext cx="1482321" cy="1962011"/>
+              </a:xfrm>
+              <a:prstGeom prst="rect">
+                <a:avLst/>
+              </a:prstGeom>
+            </p:spPr>
+          </p:pic>
+        </p:grpSp>
+        <p:sp>
+          <p:nvSpPr>
+            <p:cNvPr id="17" name="文字方塊 16"/>
+            <p:cNvSpPr txBox="1"/>
+            <p:nvPr/>
+          </p:nvSpPr>
+          <p:spPr>
+            <a:xfrm>
+              <a:off x="2762250" y="1266825"/>
+              <a:ext cx="1864357" cy="707886"/>
+            </a:xfrm>
+            <a:prstGeom prst="rect">
+              <a:avLst/>
+            </a:prstGeom>
+            <a:noFill/>
+          </p:spPr>
+          <p:txBody>
+            <a:bodyPr wrap="none" rtlCol="0">
+              <a:spAutoFit/>
+            </a:bodyPr>
+            <a:lstStyle/>
+            <a:p>
+              <a:r>
+                <a:rPr lang="en-US" altLang="zh-TW" sz="4000" dirty="0" smtClean="0">
+                  <a:solidFill>
+                    <a:schemeClr val="bg1"/>
+                  </a:solidFill>
+                </a:rPr>
+                <a:t>Group 1</a:t>
+              </a:r>
+              <a:endParaRPr lang="zh-TW" altLang="en-US" sz="4000" dirty="0">
+                <a:solidFill>
+                  <a:schemeClr val="bg1"/>
+                </a:solidFill>
+              </a:endParaRPr>
+            </a:p>
+          </p:txBody>
+        </p:sp>
+        <p:sp>
+          <p:nvSpPr>
+            <p:cNvPr id="61" name="文字方塊 60"/>
+            <p:cNvSpPr txBox="1"/>
+            <p:nvPr/>
+          </p:nvSpPr>
+          <p:spPr>
+            <a:xfrm>
+              <a:off x="6495548" y="1264903"/>
+              <a:ext cx="1864357" cy="707886"/>
+            </a:xfrm>
+            <a:prstGeom prst="rect">
+              <a:avLst/>
+            </a:prstGeom>
+            <a:noFill/>
+          </p:spPr>
+          <p:txBody>
+            <a:bodyPr wrap="none" rtlCol="0">
+              <a:spAutoFit/>
+            </a:bodyPr>
+            <a:lstStyle/>
+            <a:p>
+              <a:r>
+                <a:rPr lang="en-US" altLang="zh-TW" sz="4000" dirty="0" smtClean="0">
+                  <a:solidFill>
+                    <a:schemeClr val="bg1"/>
+                  </a:solidFill>
+                </a:rPr>
+                <a:t>Group 2</a:t>
+              </a:r>
+              <a:endParaRPr lang="zh-TW" altLang="en-US" sz="4000" dirty="0">
+                <a:solidFill>
+                  <a:schemeClr val="bg1"/>
+                </a:solidFill>
+              </a:endParaRPr>
+            </a:p>
+          </p:txBody>
+        </p:sp>
+        <p:grpSp>
+          <p:nvGrpSpPr>
+            <p:cNvPr id="2" name="群組 1"/>
+            <p:cNvGrpSpPr/>
+            <p:nvPr/>
+          </p:nvGrpSpPr>
+          <p:grpSpPr>
+            <a:xfrm>
+              <a:off x="1774934" y="2249779"/>
+              <a:ext cx="3421192" cy="3165429"/>
+              <a:chOff x="1774934" y="2249779"/>
+              <a:chExt cx="3421192" cy="3165429"/>
+            </a:xfrm>
+          </p:grpSpPr>
+          <p:pic>
+            <p:nvPicPr>
+              <p:cNvPr id="6" name="圖片 5"/>
+              <p:cNvPicPr>
+                <a:picLocks noChangeAspect="1"/>
+              </p:cNvPicPr>
+              <p:nvPr/>
+            </p:nvPicPr>
+            <p:blipFill>
+              <a:blip r:embed="rId6">
+                <a:extLst>
+                  <a:ext uri="{28A0092B-C50C-407E-A947-70E740481C1C}">
+                    <a14:useLocalDpi xmlns:a14="http://schemas.microsoft.com/office/drawing/2010/main" val="0"/>
+                  </a:ext>
+                </a:extLst>
+              </a:blip>
+              <a:stretch>
+                <a:fillRect/>
+              </a:stretch>
+            </p:blipFill>
+            <p:spPr>
+              <a:xfrm>
+                <a:off x="1774934" y="3225640"/>
+                <a:ext cx="1470184" cy="2170272"/>
+              </a:xfrm>
+              <a:prstGeom prst="rect">
+                <a:avLst/>
+              </a:prstGeom>
+            </p:spPr>
+          </p:pic>
+          <p:pic>
+            <p:nvPicPr>
+              <p:cNvPr id="14" name="圖片 13"/>
+              <p:cNvPicPr>
+                <a:picLocks noChangeAspect="1"/>
+              </p:cNvPicPr>
+              <p:nvPr/>
+            </p:nvPicPr>
+            <p:blipFill>
+              <a:blip r:embed="rId7">
+                <a:extLst>
+                  <a:ext uri="{28A0092B-C50C-407E-A947-70E740481C1C}">
+                    <a14:useLocalDpi xmlns:a14="http://schemas.microsoft.com/office/drawing/2010/main" val="0"/>
+                  </a:ext>
+                </a:extLst>
+              </a:blip>
+              <a:stretch>
+                <a:fillRect/>
+              </a:stretch>
+            </p:blipFill>
+            <p:spPr>
+              <a:xfrm>
+                <a:off x="2992587" y="3670740"/>
+                <a:ext cx="2203539" cy="1744468"/>
+              </a:xfrm>
+              <a:prstGeom prst="rect">
+                <a:avLst/>
+              </a:prstGeom>
+            </p:spPr>
+          </p:pic>
+          <p:pic>
+            <p:nvPicPr>
+              <p:cNvPr id="7" name="圖片 6"/>
+              <p:cNvPicPr>
+                <a:picLocks noChangeAspect="1"/>
+              </p:cNvPicPr>
+              <p:nvPr/>
+            </p:nvPicPr>
+            <p:blipFill>
+              <a:blip r:embed="rId8" cstate="print">
+                <a:extLst>
+                  <a:ext uri="{28A0092B-C50C-407E-A947-70E740481C1C}">
+                    <a14:useLocalDpi xmlns:a14="http://schemas.microsoft.com/office/drawing/2010/main" val="0"/>
+                  </a:ext>
+                </a:extLst>
+              </a:blip>
+              <a:stretch>
+                <a:fillRect/>
+              </a:stretch>
+            </p:blipFill>
+            <p:spPr>
+              <a:xfrm>
+                <a:off x="2218155" y="2249779"/>
+                <a:ext cx="1928124" cy="1448991"/>
+              </a:xfrm>
+              <a:prstGeom prst="rect">
+                <a:avLst/>
+              </a:prstGeom>
+            </p:spPr>
+          </p:pic>
+          <p:pic>
+            <p:nvPicPr>
+              <p:cNvPr id="15" name="圖片 14"/>
+              <p:cNvPicPr>
+                <a:picLocks noChangeAspect="1"/>
+              </p:cNvPicPr>
+              <p:nvPr/>
+            </p:nvPicPr>
+            <p:blipFill>
+              <a:blip r:embed="rId9">
+                <a:extLst>
+                  <a:ext uri="{28A0092B-C50C-407E-A947-70E740481C1C}">
+                    <a14:useLocalDpi xmlns:a14="http://schemas.microsoft.com/office/drawing/2010/main" val="0"/>
+                  </a:ext>
+                </a:extLst>
+              </a:blip>
+              <a:stretch>
+                <a:fillRect/>
+              </a:stretch>
+            </p:blipFill>
+            <p:spPr>
+              <a:xfrm>
+                <a:off x="3877407" y="2275277"/>
+                <a:ext cx="1276216" cy="1698561"/>
+              </a:xfrm>
+              <a:prstGeom prst="rect">
+                <a:avLst/>
+              </a:prstGeom>
+            </p:spPr>
+          </p:pic>
+        </p:grpSp>
+      </p:grpSp>
+    </p:spTree>
+    <p:extLst>
+      <p:ext uri="{BB962C8B-B14F-4D97-AF65-F5344CB8AC3E}">
+        <p14:creationId xmlns:p14="http://schemas.microsoft.com/office/powerpoint/2010/main" val="1451680237"/>
       </p:ext>
     </p:extLst>
   </p:cSld>
